--- a/ppt/Python15-Reflexion.pptx
+++ b/ppt/Python15-Reflexion.pptx
@@ -5,10 +5,10 @@
     <p:sldMasterId id="2147483653" r:id="rId1"/>
   </p:sldMasterIdLst>
   <p:notesMasterIdLst>
-    <p:notesMasterId r:id="rId25"/>
+    <p:notesMasterId r:id="rId21"/>
   </p:notesMasterIdLst>
   <p:handoutMasterIdLst>
-    <p:handoutMasterId r:id="rId26"/>
+    <p:handoutMasterId r:id="rId22"/>
   </p:handoutMasterIdLst>
   <p:sldIdLst>
     <p:sldId id="264" r:id="rId2"/>
@@ -23,17 +23,13 @@
     <p:sldId id="270" r:id="rId11"/>
     <p:sldId id="271" r:id="rId12"/>
     <p:sldId id="282" r:id="rId13"/>
-    <p:sldId id="272" r:id="rId14"/>
-    <p:sldId id="273" r:id="rId15"/>
-    <p:sldId id="274" r:id="rId16"/>
-    <p:sldId id="275" r:id="rId17"/>
-    <p:sldId id="276" r:id="rId18"/>
-    <p:sldId id="285" r:id="rId19"/>
-    <p:sldId id="286" r:id="rId20"/>
-    <p:sldId id="287" r:id="rId21"/>
-    <p:sldId id="277" r:id="rId22"/>
-    <p:sldId id="278" r:id="rId23"/>
-    <p:sldId id="279" r:id="rId24"/>
+    <p:sldId id="274" r:id="rId14"/>
+    <p:sldId id="275" r:id="rId15"/>
+    <p:sldId id="276" r:id="rId16"/>
+    <p:sldId id="285" r:id="rId17"/>
+    <p:sldId id="277" r:id="rId18"/>
+    <p:sldId id="278" r:id="rId19"/>
+    <p:sldId id="279" r:id="rId20"/>
   </p:sldIdLst>
   <p:sldSz cx="9144000" cy="6858000" type="screen4x3"/>
   <p:notesSz cx="6648450" cy="9782175"/>
@@ -4201,6 +4197,13 @@
   <p:clrMapOvr>
     <a:masterClrMapping/>
   </p:clrMapOvr>
+  <p:timing>
+    <p:tnLst>
+      <p:par>
+        <p:cTn id="1" dur="indefinite" restart="never" nodeType="tmRoot"/>
+      </p:par>
+    </p:tnLst>
+  </p:timing>
 </p:sld>
 </file>
 
@@ -4238,7 +4241,11 @@
           <a:p>
             <a:r>
               <a:rPr lang="fr-FR" dirty="0" smtClean="0"/>
-              <a:t>Accès aux attributs par string</a:t>
+              <a:t>In et </a:t>
+            </a:r>
+            <a:r>
+              <a:rPr lang="fr-FR" dirty="0" err="1" smtClean="0"/>
+              <a:t>contains</a:t>
             </a:r>
             <a:endParaRPr lang="fr-FR" dirty="0"/>
           </a:p>
@@ -4260,8 +4267,102 @@
           <a:lstStyle/>
           <a:p>
             <a:r>
-              <a:rPr lang="fr-FR" dirty="0" smtClean="0"/>
-              <a:t>Il est possible d’accéder aux attributs d’un objet par le nom de l’attribut en string</a:t>
+              <a:rPr lang="fr-FR" dirty="0"/>
+              <a:t>Il existe une quatrième méthode, appelée __</a:t>
+            </a:r>
+            <a:r>
+              <a:rPr lang="fr-FR" dirty="0" err="1"/>
+              <a:t>contains</a:t>
+            </a:r>
+            <a:r>
+              <a:rPr lang="fr-FR" dirty="0"/>
+              <a:t>__, qui est utilisée quand on souhaite savoir si un objet se trouve dans </a:t>
+            </a:r>
+            <a:r>
+              <a:rPr lang="fr-FR" dirty="0" smtClean="0"/>
+              <a:t>une classe</a:t>
+            </a:r>
+          </a:p>
+          <a:p>
+            <a:endParaRPr lang="fr-FR" dirty="0"/>
+          </a:p>
+          <a:p>
+            <a:endParaRPr lang="fr-FR" dirty="0" smtClean="0"/>
+          </a:p>
+          <a:p>
+            <a:endParaRPr lang="fr-FR" dirty="0"/>
+          </a:p>
+          <a:p>
+            <a:r>
+              <a:rPr lang="fr-FR" dirty="0" smtClean="0"/>
+              <a:t>Nombre d’élément de la classe</a:t>
+            </a:r>
+          </a:p>
+          <a:p>
+            <a:pPr lvl="1"/>
+            <a:r>
+              <a:rPr lang="fr-FR" dirty="0" smtClean="0"/>
+              <a:t>Len()</a:t>
+            </a:r>
+          </a:p>
+          <a:p>
+            <a:pPr lvl="1"/>
+            <a:r>
+              <a:rPr lang="fr-FR" dirty="0" smtClean="0"/>
+              <a:t>Redéfinir __</a:t>
+            </a:r>
+            <a:r>
+              <a:rPr lang="fr-FR" dirty="0" err="1" smtClean="0"/>
+              <a:t>len</a:t>
+            </a:r>
+            <a:r>
+              <a:rPr lang="fr-FR" dirty="0" smtClean="0"/>
+              <a:t>__</a:t>
+            </a:r>
+          </a:p>
+          <a:p>
+            <a:pPr lvl="1"/>
+            <a:r>
+              <a:rPr lang="fr-FR" dirty="0" smtClean="0"/>
+              <a:t>Len(</a:t>
+            </a:r>
+            <a:r>
+              <a:rPr lang="fr-FR" dirty="0" err="1" smtClean="0"/>
+              <a:t>object</a:t>
+            </a:r>
+            <a:r>
+              <a:rPr lang="fr-FR" dirty="0" smtClean="0"/>
+              <a:t>) </a:t>
+            </a:r>
+            <a:r>
+              <a:rPr lang="fr-FR" dirty="0" smtClean="0">
+                <a:sym typeface="Wingdings" panose="05000000000000000000" pitchFamily="2" charset="2"/>
+              </a:rPr>
+              <a:t> </a:t>
+            </a:r>
+            <a:r>
+              <a:rPr lang="fr-FR" dirty="0" err="1" smtClean="0">
+                <a:sym typeface="Wingdings" panose="05000000000000000000" pitchFamily="2" charset="2"/>
+              </a:rPr>
+              <a:t>object</a:t>
+            </a:r>
+            <a:r>
+              <a:rPr lang="fr-FR" dirty="0" smtClean="0">
+                <a:sym typeface="Wingdings" panose="05000000000000000000" pitchFamily="2" charset="2"/>
+              </a:rPr>
+              <a:t>.__</a:t>
+            </a:r>
+            <a:r>
+              <a:rPr lang="fr-FR" dirty="0" err="1" smtClean="0">
+                <a:sym typeface="Wingdings" panose="05000000000000000000" pitchFamily="2" charset="2"/>
+              </a:rPr>
+              <a:t>len</a:t>
+            </a:r>
+            <a:r>
+              <a:rPr lang="fr-FR" dirty="0" smtClean="0">
+                <a:sym typeface="Wingdings" panose="05000000000000000000" pitchFamily="2" charset="2"/>
+              </a:rPr>
+              <a:t>__</a:t>
             </a:r>
             <a:endParaRPr lang="fr-FR" dirty="0"/>
           </a:p>
@@ -4283,8 +4384,8 @@
         </p:blipFill>
         <p:spPr>
           <a:xfrm>
-            <a:off x="539551" y="2708920"/>
-            <a:ext cx="7980887" cy="1080120"/>
+            <a:off x="1691680" y="3140968"/>
+            <a:ext cx="5829375" cy="936104"/>
           </a:xfrm>
           <a:prstGeom prst="rect">
             <a:avLst/>
@@ -4294,7 +4395,7 @@
     </p:spTree>
     <p:extLst>
       <p:ext uri="{BB962C8B-B14F-4D97-AF65-F5344CB8AC3E}">
-        <p14:creationId xmlns:p14="http://schemas.microsoft.com/office/powerpoint/2010/main" val="2713487780"/>
+        <p14:creationId xmlns:p14="http://schemas.microsoft.com/office/powerpoint/2010/main" val="617469741"/>
       </p:ext>
     </p:extLst>
   </p:cSld>
@@ -4345,7 +4446,7 @@
           <a:p>
             <a:r>
               <a:rPr lang="fr-FR" dirty="0" smtClean="0"/>
-              <a:t>Indexes d’objet</a:t>
+              <a:t>Surcharge des opérateurs</a:t>
             </a:r>
             <a:endParaRPr lang="fr-FR" dirty="0"/>
           </a:p>
@@ -4361,89 +4462,165 @@
             <p:ph idx="1"/>
           </p:nvPr>
         </p:nvSpPr>
-        <p:spPr/>
+        <p:spPr>
+          <a:xfrm>
+            <a:off x="179512" y="1412776"/>
+            <a:ext cx="8640959" cy="5040560"/>
+          </a:xfrm>
+        </p:spPr>
         <p:txBody>
           <a:bodyPr/>
           <a:lstStyle/>
           <a:p>
             <a:r>
-              <a:rPr lang="fr-FR" dirty="0" smtClean="0"/>
-              <a:t>Les méthodes </a:t>
-            </a:r>
-            <a:r>
-              <a:rPr lang="fr-FR" dirty="0"/>
-              <a:t>que nous allons voir sont __</a:t>
-            </a:r>
-            <a:r>
-              <a:rPr lang="fr-FR" dirty="0" err="1"/>
-              <a:t>getitem</a:t>
-            </a:r>
-            <a:r>
-              <a:rPr lang="fr-FR" dirty="0"/>
-              <a:t>__, __</a:t>
-            </a:r>
-            <a:r>
-              <a:rPr lang="fr-FR" dirty="0" err="1"/>
-              <a:t>setitem</a:t>
-            </a:r>
-            <a:r>
-              <a:rPr lang="fr-FR" dirty="0"/>
-              <a:t>__ et __</a:t>
-            </a:r>
-            <a:r>
-              <a:rPr lang="fr-FR" dirty="0" err="1"/>
-              <a:t>delitem</a:t>
-            </a:r>
-            <a:r>
-              <a:rPr lang="fr-FR" dirty="0" smtClean="0"/>
+              <a:rPr lang="fr-FR" sz="2000" dirty="0" smtClean="0"/>
               <a:t>__</a:t>
             </a:r>
-          </a:p>
-          <a:p>
-            <a:r>
-              <a:rPr lang="fr-FR" dirty="0" smtClean="0"/>
-              <a:t>Elles </a:t>
-            </a:r>
-            <a:r>
-              <a:rPr lang="fr-FR" dirty="0"/>
-              <a:t>servent respectivement à définir quoi faire quand on écrit </a:t>
-            </a:r>
-            <a:r>
-              <a:rPr lang="fr-FR" dirty="0" smtClean="0"/>
-              <a:t>:</a:t>
-            </a:r>
-            <a:endParaRPr lang="fr-FR" dirty="0"/>
-          </a:p>
-          <a:p>
-            <a:pPr lvl="1"/>
-            <a:r>
-              <a:rPr lang="fr-FR" dirty="0"/>
-              <a:t>objet[index] ;</a:t>
-            </a:r>
-          </a:p>
-          <a:p>
-            <a:pPr lvl="1"/>
-            <a:r>
-              <a:rPr lang="fr-FR" dirty="0"/>
-              <a:t>objet[index] = valeur ;</a:t>
-            </a:r>
-          </a:p>
-          <a:p>
-            <a:pPr lvl="1"/>
-            <a:r>
-              <a:rPr lang="fr-FR" dirty="0" err="1"/>
-              <a:t>del</a:t>
-            </a:r>
-            <a:r>
-              <a:rPr lang="fr-FR" dirty="0"/>
-              <a:t> objet[index]</a:t>
-            </a:r>
+            <a:r>
+              <a:rPr lang="fr-FR" sz="2000" dirty="0" err="1" smtClean="0"/>
+              <a:t>add</a:t>
+            </a:r>
+            <a:r>
+              <a:rPr lang="fr-FR" sz="2000" dirty="0" smtClean="0"/>
+              <a:t>__ </a:t>
+            </a:r>
+            <a:r>
+              <a:rPr lang="fr-FR" sz="2000" dirty="0"/>
+              <a:t>: surcharge de l'opérateur </a:t>
+            </a:r>
+            <a:r>
+              <a:rPr lang="fr-FR" sz="2000" dirty="0" smtClean="0"/>
+              <a:t>+ </a:t>
+            </a:r>
+          </a:p>
+          <a:p>
+            <a:r>
+              <a:rPr lang="fr-FR" sz="2000" dirty="0" smtClean="0"/>
+              <a:t>__</a:t>
+            </a:r>
+            <a:r>
+              <a:rPr lang="fr-FR" sz="2000" dirty="0" err="1" smtClean="0"/>
+              <a:t>sub</a:t>
+            </a:r>
+            <a:r>
+              <a:rPr lang="fr-FR" sz="2000" dirty="0" smtClean="0"/>
+              <a:t>__ : surcharge de l'opérateur - </a:t>
+            </a:r>
+            <a:endParaRPr lang="fr-FR" sz="2000" dirty="0"/>
+          </a:p>
+          <a:p>
+            <a:r>
+              <a:rPr lang="fr-FR" sz="2000" dirty="0"/>
+              <a:t>__</a:t>
+            </a:r>
+            <a:r>
+              <a:rPr lang="fr-FR" sz="2000" dirty="0" err="1"/>
+              <a:t>mul</a:t>
+            </a:r>
+            <a:r>
+              <a:rPr lang="fr-FR" sz="2000" dirty="0"/>
+              <a:t>__ : surcharge de l'opérateur * </a:t>
+            </a:r>
+          </a:p>
+          <a:p>
+            <a:r>
+              <a:rPr lang="fr-FR" sz="2000" dirty="0"/>
+              <a:t>__</a:t>
+            </a:r>
+            <a:r>
+              <a:rPr lang="fr-FR" sz="2000" dirty="0" err="1"/>
+              <a:t>truediv</a:t>
+            </a:r>
+            <a:r>
+              <a:rPr lang="fr-FR" sz="2000" dirty="0"/>
+              <a:t>__ : surcharge de l'opérateur / </a:t>
+            </a:r>
+          </a:p>
+          <a:p>
+            <a:r>
+              <a:rPr lang="fr-FR" sz="2000" dirty="0" smtClean="0"/>
+              <a:t>__le__ </a:t>
+            </a:r>
+            <a:r>
+              <a:rPr lang="fr-FR" sz="2000" dirty="0"/>
+              <a:t>: surcharge de </a:t>
+            </a:r>
+            <a:r>
+              <a:rPr lang="fr-FR" sz="2000"/>
+              <a:t>l'opérateur </a:t>
+            </a:r>
+            <a:r>
+              <a:rPr lang="fr-FR" sz="2000" smtClean="0"/>
+              <a:t>&lt;=</a:t>
+            </a:r>
+            <a:endParaRPr lang="fr-FR" sz="2000" dirty="0"/>
+          </a:p>
+          <a:p>
+            <a:r>
+              <a:rPr lang="fr-FR" sz="2000" dirty="0" smtClean="0"/>
+              <a:t>__</a:t>
+            </a:r>
+            <a:r>
+              <a:rPr lang="fr-FR" sz="2000" dirty="0" err="1" smtClean="0"/>
+              <a:t>lt</a:t>
+            </a:r>
+            <a:r>
+              <a:rPr lang="fr-FR" sz="2000" dirty="0" smtClean="0"/>
+              <a:t>__ </a:t>
+            </a:r>
+            <a:r>
+              <a:rPr lang="fr-FR" sz="2000" dirty="0"/>
+              <a:t>: surcharge de l'opérateur </a:t>
+            </a:r>
+            <a:r>
+              <a:rPr lang="fr-FR" sz="2000" dirty="0" smtClean="0"/>
+              <a:t>&lt;</a:t>
+            </a:r>
+          </a:p>
+          <a:p>
+            <a:r>
+              <a:rPr lang="fr-FR" sz="2000" dirty="0" smtClean="0"/>
+              <a:t>__</a:t>
+            </a:r>
+            <a:r>
+              <a:rPr lang="fr-FR" sz="2000" dirty="0" err="1"/>
+              <a:t>pow</a:t>
+            </a:r>
+            <a:r>
+              <a:rPr lang="fr-FR" sz="2000" dirty="0"/>
+              <a:t>__ : surcharge de l'opérateur ** (puissance) </a:t>
+            </a:r>
+            <a:r>
+              <a:rPr lang="fr-FR" sz="2000" dirty="0" smtClean="0"/>
+              <a:t>;</a:t>
+            </a:r>
+          </a:p>
+          <a:p>
+            <a:r>
+              <a:rPr lang="fr-FR" sz="2000" dirty="0" smtClean="0"/>
+              <a:t>__</a:t>
+            </a:r>
+            <a:r>
+              <a:rPr lang="fr-FR" sz="2000" dirty="0" err="1" smtClean="0"/>
+              <a:t>eq</a:t>
+            </a:r>
+            <a:r>
+              <a:rPr lang="fr-FR" sz="2000" dirty="0" smtClean="0"/>
+              <a:t>__ : ==</a:t>
+            </a:r>
+          </a:p>
+          <a:p>
+            <a:r>
+              <a:rPr lang="fr-FR" sz="2000" dirty="0" smtClean="0"/>
+              <a:t>__ne__ : !=</a:t>
+            </a:r>
+            <a:endParaRPr lang="fr-FR" sz="2000" dirty="0"/>
           </a:p>
         </p:txBody>
       </p:sp>
       <p:pic>
         <p:nvPicPr>
-          <p:cNvPr id="4" name="Image 3"/>
+          <p:cNvPr id="5" name="Image 4"/>
           <p:cNvPicPr>
             <a:picLocks noChangeAspect="1"/>
           </p:cNvPicPr>
@@ -4457,8 +4634,8 @@
         </p:blipFill>
         <p:spPr>
           <a:xfrm>
-            <a:off x="3419872" y="4086824"/>
-            <a:ext cx="5733095" cy="2470171"/>
+            <a:off x="3260600" y="4002956"/>
+            <a:ext cx="5883400" cy="2450380"/>
           </a:xfrm>
           <a:prstGeom prst="rect">
             <a:avLst/>
@@ -4468,7 +4645,7 @@
     </p:spTree>
     <p:extLst>
       <p:ext uri="{BB962C8B-B14F-4D97-AF65-F5344CB8AC3E}">
-        <p14:creationId xmlns:p14="http://schemas.microsoft.com/office/powerpoint/2010/main" val="2180427101"/>
+        <p14:creationId xmlns:p14="http://schemas.microsoft.com/office/powerpoint/2010/main" val="3261323662"/>
       </p:ext>
     </p:extLst>
   </p:cSld>
@@ -4519,11 +4696,7 @@
           <a:p>
             <a:r>
               <a:rPr lang="fr-FR" dirty="0" smtClean="0"/>
-              <a:t>In et </a:t>
-            </a:r>
-            <a:r>
-              <a:rPr lang="fr-FR" dirty="0" err="1" smtClean="0"/>
-              <a:t>contains</a:t>
+              <a:t>Liste des attributs</a:t>
             </a:r>
             <a:endParaRPr lang="fr-FR" dirty="0"/>
           </a:p>
@@ -4545,64 +4718,70 @@
           <a:lstStyle/>
           <a:p>
             <a:r>
-              <a:rPr lang="fr-FR" dirty="0"/>
-              <a:t>Il existe une quatrième méthode, appelée __</a:t>
-            </a:r>
-            <a:r>
-              <a:rPr lang="fr-FR" dirty="0" err="1"/>
-              <a:t>contains</a:t>
-            </a:r>
-            <a:r>
-              <a:rPr lang="fr-FR" dirty="0"/>
-              <a:t>__, qui est utilisée quand on souhaite savoir si un objet se trouve dans </a:t>
-            </a:r>
-            <a:r>
-              <a:rPr lang="fr-FR" dirty="0" smtClean="0"/>
-              <a:t>une classe</a:t>
-            </a:r>
-          </a:p>
-          <a:p>
-            <a:endParaRPr lang="fr-FR" dirty="0"/>
-          </a:p>
-          <a:p>
+              <a:rPr lang="fr-FR" dirty="0" smtClean="0"/>
+              <a:t>__</a:t>
+            </a:r>
+            <a:r>
+              <a:rPr lang="fr-FR" dirty="0" err="1" smtClean="0"/>
+              <a:t>get_state</a:t>
+            </a:r>
+            <a:r>
+              <a:rPr lang="fr-FR" dirty="0" smtClean="0"/>
+              <a:t>__(self)</a:t>
+            </a:r>
+          </a:p>
+          <a:p>
+            <a:pPr lvl="1"/>
+            <a:r>
+              <a:rPr lang="fr-FR" dirty="0" smtClean="0"/>
+              <a:t>Renvoie le dictionnaire des attributs de la classe</a:t>
+            </a:r>
+          </a:p>
+          <a:p>
+            <a:r>
+              <a:rPr lang="fr-FR" dirty="0" smtClean="0"/>
+              <a:t>__</a:t>
+            </a:r>
+            <a:r>
+              <a:rPr lang="fr-FR" dirty="0" err="1" smtClean="0"/>
+              <a:t>set_state</a:t>
+            </a:r>
+            <a:r>
+              <a:rPr lang="fr-FR" dirty="0" smtClean="0"/>
+              <a:t>__(self)</a:t>
+            </a:r>
+          </a:p>
+          <a:p>
+            <a:pPr lvl="1"/>
+            <a:r>
+              <a:rPr lang="fr-FR" dirty="0" smtClean="0"/>
+              <a:t>Permet de modifier ce dictionnaire</a:t>
+            </a:r>
+          </a:p>
+          <a:p>
+            <a:pPr lvl="1"/>
+            <a:r>
+              <a:rPr lang="fr-FR" dirty="0" smtClean="0"/>
+              <a:t>Utilisé par </a:t>
+            </a:r>
+            <a:r>
+              <a:rPr lang="fr-FR" dirty="0" err="1" smtClean="0"/>
+              <a:t>Pickle</a:t>
+            </a:r>
             <a:endParaRPr lang="fr-FR" dirty="0" smtClean="0"/>
           </a:p>
           <a:p>
-            <a:endParaRPr lang="fr-FR" dirty="0"/>
-          </a:p>
-          <a:p>
-            <a:r>
-              <a:rPr lang="fr-FR" dirty="0" smtClean="0"/>
-              <a:t>Nombre d’élément de la classe</a:t>
-            </a:r>
-          </a:p>
-          <a:p>
-            <a:pPr lvl="1"/>
-            <a:r>
-              <a:rPr lang="fr-FR" dirty="0" smtClean="0"/>
-              <a:t>Len()</a:t>
-            </a:r>
-          </a:p>
-          <a:p>
-            <a:pPr lvl="1"/>
-            <a:r>
-              <a:rPr lang="fr-FR" dirty="0" smtClean="0"/>
-              <a:t>Redéfinir __</a:t>
+            <a:r>
+              <a:rPr lang="fr-FR" dirty="0" smtClean="0"/>
+              <a:t>__</a:t>
             </a:r>
             <a:r>
               <a:rPr lang="fr-FR" dirty="0" err="1" smtClean="0"/>
-              <a:t>len</a:t>
-            </a:r>
-            <a:r>
-              <a:rPr lang="fr-FR" dirty="0" smtClean="0"/>
-              <a:t>__</a:t>
-            </a:r>
-          </a:p>
-          <a:p>
-            <a:pPr lvl="1"/>
-            <a:r>
-              <a:rPr lang="fr-FR" dirty="0" smtClean="0"/>
-              <a:t>Len(</a:t>
+              <a:t>dir</a:t>
+            </a:r>
+            <a:r>
+              <a:rPr lang="fr-FR" dirty="0" smtClean="0"/>
+              <a:t>__(</a:t>
             </a:r>
             <a:r>
               <a:rPr lang="fr-FR" dirty="0" err="1" smtClean="0"/>
@@ -4610,70 +4789,27 @@
             </a:r>
             <a:r>
               <a:rPr lang="fr-FR" dirty="0" smtClean="0"/>
-              <a:t>) </a:t>
-            </a:r>
-            <a:r>
-              <a:rPr lang="fr-FR" dirty="0" smtClean="0">
-                <a:sym typeface="Wingdings" panose="05000000000000000000" pitchFamily="2" charset="2"/>
-              </a:rPr>
-              <a:t> </a:t>
-            </a:r>
-            <a:r>
-              <a:rPr lang="fr-FR" dirty="0" err="1" smtClean="0">
-                <a:sym typeface="Wingdings" panose="05000000000000000000" pitchFamily="2" charset="2"/>
-              </a:rPr>
-              <a:t>object</a:t>
-            </a:r>
-            <a:r>
-              <a:rPr lang="fr-FR" dirty="0" smtClean="0">
-                <a:sym typeface="Wingdings" panose="05000000000000000000" pitchFamily="2" charset="2"/>
-              </a:rPr>
-              <a:t>.__</a:t>
-            </a:r>
-            <a:r>
-              <a:rPr lang="fr-FR" dirty="0" err="1" smtClean="0">
-                <a:sym typeface="Wingdings" panose="05000000000000000000" pitchFamily="2" charset="2"/>
-              </a:rPr>
-              <a:t>len</a:t>
-            </a:r>
-            <a:r>
-              <a:rPr lang="fr-FR" dirty="0" smtClean="0">
-                <a:sym typeface="Wingdings" panose="05000000000000000000" pitchFamily="2" charset="2"/>
-              </a:rPr>
-              <a:t>__</a:t>
-            </a:r>
-            <a:endParaRPr lang="fr-FR" dirty="0"/>
+              <a:t>)</a:t>
+            </a:r>
+          </a:p>
+          <a:p>
+            <a:pPr lvl="1"/>
+            <a:r>
+              <a:rPr lang="fr-FR" dirty="0" smtClean="0"/>
+              <a:t>Permet de liste les attributs </a:t>
+            </a:r>
+            <a:r>
+              <a:rPr lang="fr-FR" smtClean="0"/>
+              <a:t>d’une classe</a:t>
+            </a:r>
+            <a:endParaRPr lang="fr-FR" dirty="0" smtClean="0"/>
           </a:p>
         </p:txBody>
       </p:sp>
-      <p:pic>
-        <p:nvPicPr>
-          <p:cNvPr id="4" name="Image 3"/>
-          <p:cNvPicPr>
-            <a:picLocks noChangeAspect="1"/>
-          </p:cNvPicPr>
-          <p:nvPr/>
-        </p:nvPicPr>
-        <p:blipFill>
-          <a:blip r:embed="rId2"/>
-          <a:stretch>
-            <a:fillRect/>
-          </a:stretch>
-        </p:blipFill>
-        <p:spPr>
-          <a:xfrm>
-            <a:off x="1691680" y="3140968"/>
-            <a:ext cx="5829375" cy="936104"/>
-          </a:xfrm>
-          <a:prstGeom prst="rect">
-            <a:avLst/>
-          </a:prstGeom>
-        </p:spPr>
-      </p:pic>
     </p:spTree>
     <p:extLst>
       <p:ext uri="{BB962C8B-B14F-4D97-AF65-F5344CB8AC3E}">
-        <p14:creationId xmlns:p14="http://schemas.microsoft.com/office/powerpoint/2010/main" val="617469741"/>
+        <p14:creationId xmlns:p14="http://schemas.microsoft.com/office/powerpoint/2010/main" val="713473702"/>
       </p:ext>
     </p:extLst>
   </p:cSld>
@@ -4723,8 +4859,8 @@
           <a:lstStyle/>
           <a:p>
             <a:r>
-              <a:rPr lang="fr-FR" dirty="0" smtClean="0"/>
-              <a:t>Surcharge des opérateurs</a:t>
+              <a:rPr lang="fr-FR" dirty="0" err="1" smtClean="0"/>
+              <a:t>Map</a:t>
             </a:r>
             <a:endParaRPr lang="fr-FR" dirty="0"/>
           </a:p>
@@ -4740,211 +4876,66 @@
             <p:ph idx="1"/>
           </p:nvPr>
         </p:nvSpPr>
-        <p:spPr>
-          <a:xfrm>
-            <a:off x="179512" y="1412776"/>
-            <a:ext cx="8640959" cy="5040560"/>
-          </a:xfrm>
-        </p:spPr>
+        <p:spPr/>
         <p:txBody>
           <a:bodyPr/>
           <a:lstStyle/>
           <a:p>
             <a:r>
-              <a:rPr lang="fr-FR" sz="2000" dirty="0" smtClean="0"/>
-              <a:t>__</a:t>
-            </a:r>
-            <a:r>
-              <a:rPr lang="fr-FR" sz="2000" dirty="0" err="1" smtClean="0"/>
-              <a:t>add</a:t>
-            </a:r>
-            <a:r>
-              <a:rPr lang="fr-FR" sz="2000" dirty="0" smtClean="0"/>
-              <a:t>__ </a:t>
-            </a:r>
-            <a:r>
-              <a:rPr lang="fr-FR" sz="2000" dirty="0"/>
-              <a:t>: surcharge de l'opérateur </a:t>
-            </a:r>
-            <a:r>
-              <a:rPr lang="fr-FR" sz="2000" dirty="0" smtClean="0"/>
-              <a:t>+ </a:t>
-            </a:r>
-          </a:p>
-          <a:p>
-            <a:r>
-              <a:rPr lang="fr-FR" sz="2000" dirty="0" smtClean="0"/>
-              <a:t>__</a:t>
-            </a:r>
-            <a:r>
-              <a:rPr lang="fr-FR" sz="2000" dirty="0" err="1" smtClean="0"/>
-              <a:t>sub</a:t>
-            </a:r>
-            <a:r>
-              <a:rPr lang="fr-FR" sz="2000" dirty="0" smtClean="0"/>
-              <a:t>__ : surcharge de l'opérateur - </a:t>
-            </a:r>
-            <a:endParaRPr lang="fr-FR" sz="2000" dirty="0"/>
-          </a:p>
-          <a:p>
-            <a:r>
-              <a:rPr lang="fr-FR" sz="2000" dirty="0"/>
-              <a:t>__</a:t>
-            </a:r>
-            <a:r>
-              <a:rPr lang="fr-FR" sz="2000" dirty="0" err="1"/>
-              <a:t>mul</a:t>
-            </a:r>
-            <a:r>
-              <a:rPr lang="fr-FR" sz="2000" dirty="0"/>
-              <a:t>__ : surcharge de l'opérateur * </a:t>
-            </a:r>
-          </a:p>
-          <a:p>
-            <a:r>
-              <a:rPr lang="fr-FR" sz="2000" dirty="0"/>
-              <a:t>__</a:t>
-            </a:r>
-            <a:r>
-              <a:rPr lang="fr-FR" sz="2000" dirty="0" err="1"/>
-              <a:t>truediv</a:t>
-            </a:r>
-            <a:r>
-              <a:rPr lang="fr-FR" sz="2000" dirty="0"/>
-              <a:t>__ : surcharge de l'opérateur / </a:t>
-            </a:r>
-          </a:p>
-          <a:p>
-            <a:r>
-              <a:rPr lang="fr-FR" sz="2000" dirty="0" smtClean="0"/>
-              <a:t>__le__ </a:t>
-            </a:r>
-            <a:r>
-              <a:rPr lang="fr-FR" sz="2000" dirty="0"/>
-              <a:t>: surcharge de </a:t>
-            </a:r>
-            <a:r>
-              <a:rPr lang="fr-FR" sz="2000"/>
-              <a:t>l'opérateur </a:t>
-            </a:r>
-            <a:r>
-              <a:rPr lang="fr-FR" sz="2000" smtClean="0"/>
-              <a:t>&lt;=</a:t>
-            </a:r>
-            <a:endParaRPr lang="fr-FR" sz="2000" dirty="0"/>
-          </a:p>
-          <a:p>
-            <a:r>
-              <a:rPr lang="fr-FR" sz="2000" dirty="0" smtClean="0"/>
-              <a:t>__</a:t>
-            </a:r>
-            <a:r>
-              <a:rPr lang="fr-FR" sz="2000" dirty="0" err="1" smtClean="0"/>
-              <a:t>lt</a:t>
-            </a:r>
-            <a:r>
-              <a:rPr lang="fr-FR" sz="2000" dirty="0" smtClean="0"/>
-              <a:t>__ </a:t>
-            </a:r>
-            <a:r>
-              <a:rPr lang="fr-FR" sz="2000" dirty="0"/>
-              <a:t>: surcharge de l'opérateur </a:t>
-            </a:r>
-            <a:r>
-              <a:rPr lang="fr-FR" sz="2000" dirty="0" smtClean="0"/>
-              <a:t>&lt;</a:t>
-            </a:r>
-          </a:p>
-          <a:p>
-            <a:r>
-              <a:rPr lang="fr-FR" sz="2000" dirty="0" smtClean="0"/>
-              <a:t>__</a:t>
-            </a:r>
-            <a:r>
-              <a:rPr lang="fr-FR" sz="2000" dirty="0" err="1"/>
-              <a:t>pow</a:t>
-            </a:r>
-            <a:r>
-              <a:rPr lang="fr-FR" sz="2000" dirty="0"/>
-              <a:t>__ : surcharge de l'opérateur ** (puissance) </a:t>
-            </a:r>
-            <a:r>
-              <a:rPr lang="fr-FR" sz="2000" dirty="0" smtClean="0"/>
-              <a:t>;</a:t>
-            </a:r>
-          </a:p>
-          <a:p>
-            <a:r>
-              <a:rPr lang="fr-FR" sz="2000" dirty="0" smtClean="0"/>
-              <a:t>__</a:t>
-            </a:r>
-            <a:r>
-              <a:rPr lang="fr-FR" sz="2000" dirty="0" err="1" smtClean="0"/>
-              <a:t>eq</a:t>
-            </a:r>
-            <a:r>
-              <a:rPr lang="fr-FR" sz="2000" dirty="0" smtClean="0"/>
-              <a:t>__ : ==</a:t>
-            </a:r>
-          </a:p>
-          <a:p>
-            <a:r>
-              <a:rPr lang="fr-FR" sz="2000" dirty="0" smtClean="0"/>
-              <a:t>__</a:t>
-            </a:r>
-            <a:r>
-              <a:rPr lang="fr-FR" sz="2000" dirty="0" smtClean="0"/>
-              <a:t>ne</a:t>
-            </a:r>
-            <a:r>
-              <a:rPr lang="fr-FR" sz="2000" dirty="0" smtClean="0"/>
-              <a:t>__ : !=</a:t>
-            </a:r>
-            <a:endParaRPr lang="fr-FR" sz="2000" dirty="0"/>
+              <a:rPr lang="fr-FR" dirty="0" err="1" smtClean="0"/>
+              <a:t>Map</a:t>
+            </a:r>
+            <a:r>
+              <a:rPr lang="fr-FR" dirty="0" smtClean="0"/>
+              <a:t> permet d’appliquer une fonction sur une collection</a:t>
+            </a:r>
+          </a:p>
+          <a:p>
+            <a:pPr lvl="1"/>
+            <a:r>
+              <a:rPr lang="en-US" dirty="0" smtClean="0"/>
+              <a:t>l= </a:t>
+            </a:r>
+            <a:r>
+              <a:rPr lang="en-US" dirty="0"/>
+              <a:t>["It's over 9000 !", "All your base are belong to us."]</a:t>
+            </a:r>
+          </a:p>
+          <a:p>
+            <a:pPr lvl="1"/>
+            <a:r>
+              <a:rPr lang="en-US" dirty="0"/>
+              <a:t>print(map(</a:t>
+            </a:r>
+            <a:r>
+              <a:rPr lang="en-US" dirty="0" err="1"/>
+              <a:t>unicode.upper</a:t>
+            </a:r>
+            <a:r>
+              <a:rPr lang="en-US" dirty="0"/>
+              <a:t>, </a:t>
+            </a:r>
+            <a:r>
+              <a:rPr lang="en-US" dirty="0" smtClean="0"/>
+              <a:t>l))</a:t>
+            </a:r>
+          </a:p>
+          <a:p>
+            <a:pPr lvl="1"/>
+            <a:endParaRPr lang="fr-FR" dirty="0"/>
           </a:p>
         </p:txBody>
       </p:sp>
-      <p:pic>
-        <p:nvPicPr>
-          <p:cNvPr id="5" name="Image 4"/>
-          <p:cNvPicPr>
-            <a:picLocks noChangeAspect="1"/>
-          </p:cNvPicPr>
-          <p:nvPr/>
-        </p:nvPicPr>
-        <p:blipFill>
-          <a:blip r:embed="rId2"/>
-          <a:stretch>
-            <a:fillRect/>
-          </a:stretch>
-        </p:blipFill>
-        <p:spPr>
-          <a:xfrm>
-            <a:off x="3260600" y="4002956"/>
-            <a:ext cx="5883400" cy="2450380"/>
-          </a:xfrm>
-          <a:prstGeom prst="rect">
-            <a:avLst/>
-          </a:prstGeom>
-        </p:spPr>
-      </p:pic>
     </p:spTree>
     <p:extLst>
       <p:ext uri="{BB962C8B-B14F-4D97-AF65-F5344CB8AC3E}">
-        <p14:creationId xmlns:p14="http://schemas.microsoft.com/office/powerpoint/2010/main" val="3261323662"/>
+        <p14:creationId xmlns:p14="http://schemas.microsoft.com/office/powerpoint/2010/main" val="3928039841"/>
       </p:ext>
     </p:extLst>
   </p:cSld>
   <p:clrMapOvr>
     <a:masterClrMapping/>
   </p:clrMapOvr>
-  <p:timing>
-    <p:tnLst>
-      <p:par>
-        <p:cTn id="1" dur="indefinite" restart="never" nodeType="tmRoot"/>
-      </p:par>
-    </p:tnLst>
-  </p:timing>
 </p:sld>
 </file>
 
@@ -4982,7 +4973,7 @@
           <a:p>
             <a:r>
               <a:rPr lang="fr-FR" dirty="0" smtClean="0"/>
-              <a:t>Liste des attributs</a:t>
+              <a:t>Les listes en intension</a:t>
             </a:r>
             <a:endParaRPr lang="fr-FR" dirty="0"/>
           </a:p>
@@ -5005,97 +4996,98 @@
           <a:p>
             <a:r>
               <a:rPr lang="fr-FR" dirty="0" smtClean="0"/>
-              <a:t>__</a:t>
+              <a:t>Rappel</a:t>
+            </a:r>
+          </a:p>
+          <a:p>
+            <a:pPr lvl="1"/>
+            <a:r>
+              <a:rPr lang="fr-FR" dirty="0" smtClean="0"/>
+              <a:t>Il est possible d’effectuer une boucle une liste grâce aux </a:t>
             </a:r>
             <a:r>
               <a:rPr lang="fr-FR" dirty="0" err="1" smtClean="0"/>
-              <a:t>get_state</a:t>
-            </a:r>
-            <a:r>
-              <a:rPr lang="fr-FR" dirty="0" smtClean="0"/>
-              <a:t>__(self)</a:t>
-            </a:r>
-          </a:p>
-          <a:p>
-            <a:pPr lvl="1"/>
-            <a:r>
-              <a:rPr lang="fr-FR" dirty="0" smtClean="0"/>
-              <a:t>Renvoie le dictionnaire des attributs de la classe</a:t>
-            </a:r>
-          </a:p>
-          <a:p>
-            <a:r>
-              <a:rPr lang="fr-FR" dirty="0" smtClean="0"/>
-              <a:t>__</a:t>
-            </a:r>
-            <a:r>
-              <a:rPr lang="fr-FR" dirty="0" err="1" smtClean="0"/>
-              <a:t>set_state</a:t>
-            </a:r>
-            <a:r>
-              <a:rPr lang="fr-FR" dirty="0" smtClean="0"/>
-              <a:t>__(self)</a:t>
-            </a:r>
-          </a:p>
-          <a:p>
-            <a:pPr lvl="1"/>
-            <a:r>
-              <a:rPr lang="fr-FR" dirty="0" smtClean="0"/>
-              <a:t>Permet de modifier ce dictionnaire</a:t>
-            </a:r>
-          </a:p>
-          <a:p>
-            <a:pPr lvl="1"/>
-            <a:r>
-              <a:rPr lang="fr-FR" dirty="0" smtClean="0"/>
-              <a:t>Utilisé par </a:t>
-            </a:r>
-            <a:r>
-              <a:rPr lang="fr-FR" dirty="0" err="1" smtClean="0"/>
-              <a:t>Pickle</a:t>
+              <a:t>itérateurs</a:t>
             </a:r>
             <a:endParaRPr lang="fr-FR" dirty="0" smtClean="0"/>
           </a:p>
           <a:p>
-            <a:r>
-              <a:rPr lang="fr-FR" dirty="0" smtClean="0"/>
-              <a:t>__</a:t>
-            </a:r>
-            <a:r>
-              <a:rPr lang="fr-FR" dirty="0" err="1" smtClean="0"/>
-              <a:t>dir</a:t>
-            </a:r>
-            <a:r>
-              <a:rPr lang="fr-FR" dirty="0" smtClean="0"/>
-              <a:t>__(</a:t>
-            </a:r>
-            <a:r>
-              <a:rPr lang="fr-FR" dirty="0" err="1" smtClean="0"/>
-              <a:t>object</a:t>
-            </a:r>
-            <a:r>
-              <a:rPr lang="fr-FR" dirty="0" smtClean="0"/>
-              <a:t>)</a:t>
-            </a:r>
-          </a:p>
-          <a:p>
-            <a:pPr lvl="1"/>
-            <a:r>
-              <a:rPr lang="fr-FR" dirty="0" smtClean="0"/>
-              <a:t>Permet de liste les attributs </a:t>
+            <a:pPr lvl="2"/>
+            <a:endParaRPr lang="fr-FR" dirty="0" smtClean="0"/>
+          </a:p>
+          <a:p>
+            <a:pPr lvl="2"/>
+            <a:endParaRPr lang="fr-FR" dirty="0"/>
+          </a:p>
+          <a:p>
+            <a:pPr lvl="2"/>
+            <a:endParaRPr lang="fr-FR" dirty="0" smtClean="0"/>
+          </a:p>
+          <a:p>
+            <a:r>
+              <a:rPr lang="fr-FR" dirty="0" smtClean="0"/>
+              <a:t>Il est possible de créer une liste en intension qui </a:t>
             </a:r>
             <a:r>
               <a:rPr lang="fr-FR" smtClean="0"/>
-              <a:t>d’une classe</a:t>
+              <a:t>sera une liste</a:t>
             </a:r>
             <a:endParaRPr lang="fr-FR" dirty="0" smtClean="0"/>
           </a:p>
         </p:txBody>
       </p:sp>
+      <p:pic>
+        <p:nvPicPr>
+          <p:cNvPr id="4" name="Image 3"/>
+          <p:cNvPicPr>
+            <a:picLocks noChangeAspect="1"/>
+          </p:cNvPicPr>
+          <p:nvPr/>
+        </p:nvPicPr>
+        <p:blipFill>
+          <a:blip r:embed="rId2"/>
+          <a:stretch>
+            <a:fillRect/>
+          </a:stretch>
+        </p:blipFill>
+        <p:spPr>
+          <a:xfrm>
+            <a:off x="2915816" y="2924944"/>
+            <a:ext cx="2256530" cy="895722"/>
+          </a:xfrm>
+          <a:prstGeom prst="rect">
+            <a:avLst/>
+          </a:prstGeom>
+        </p:spPr>
+      </p:pic>
+      <p:pic>
+        <p:nvPicPr>
+          <p:cNvPr id="5" name="Image 4"/>
+          <p:cNvPicPr>
+            <a:picLocks noChangeAspect="1"/>
+          </p:cNvPicPr>
+          <p:nvPr/>
+        </p:nvPicPr>
+        <p:blipFill>
+          <a:blip r:embed="rId3"/>
+          <a:stretch>
+            <a:fillRect/>
+          </a:stretch>
+        </p:blipFill>
+        <p:spPr>
+          <a:xfrm>
+            <a:off x="2895541" y="4837918"/>
+            <a:ext cx="3842873" cy="989831"/>
+          </a:xfrm>
+          <a:prstGeom prst="rect">
+            <a:avLst/>
+          </a:prstGeom>
+        </p:spPr>
+      </p:pic>
     </p:spTree>
     <p:extLst>
       <p:ext uri="{BB962C8B-B14F-4D97-AF65-F5344CB8AC3E}">
-        <p14:creationId xmlns:p14="http://schemas.microsoft.com/office/powerpoint/2010/main" val="713473702"/>
+        <p14:creationId xmlns:p14="http://schemas.microsoft.com/office/powerpoint/2010/main" val="3347416299"/>
       </p:ext>
     </p:extLst>
   </p:cSld>
@@ -5145,8 +5137,8 @@
           <a:lstStyle/>
           <a:p>
             <a:r>
-              <a:rPr lang="fr-FR" dirty="0" err="1" smtClean="0"/>
-              <a:t>Map</a:t>
+              <a:rPr lang="fr-FR" dirty="0" smtClean="0"/>
+              <a:t>Générateur</a:t>
             </a:r>
             <a:endParaRPr lang="fr-FR" dirty="0"/>
           </a:p>
@@ -5168,60 +5160,81 @@
           <a:lstStyle/>
           <a:p>
             <a:r>
+              <a:rPr lang="fr-FR" dirty="0" smtClean="0"/>
+              <a:t>Un générateur est identique à une liste en intension mais elle sera exécuté uniquement au moment du for</a:t>
+            </a:r>
+          </a:p>
+          <a:p>
+            <a:pPr lvl="1"/>
+            <a:r>
+              <a:rPr lang="fr-FR" dirty="0" smtClean="0"/>
+              <a:t>Utilisateur du </a:t>
+            </a:r>
+            <a:r>
               <a:rPr lang="fr-FR" dirty="0" err="1" smtClean="0"/>
-              <a:t>Map</a:t>
-            </a:r>
-            <a:r>
-              <a:rPr lang="fr-FR" dirty="0" smtClean="0"/>
-              <a:t> permet d’appliquer une fonction sur une collection</a:t>
-            </a:r>
+              <a:t>yield</a:t>
+            </a:r>
+            <a:r>
+              <a:rPr lang="fr-FR" dirty="0" smtClean="0"/>
+              <a:t> au lieu de l’</a:t>
+            </a:r>
+            <a:r>
+              <a:rPr lang="fr-FR" dirty="0" err="1" smtClean="0"/>
+              <a:t>itérateur</a:t>
+            </a:r>
+            <a:endParaRPr lang="fr-FR" dirty="0" smtClean="0"/>
           </a:p>
           <a:p>
             <a:pPr lvl="1"/>
             <a:r>
-              <a:rPr lang="en-US" dirty="0" smtClean="0"/>
-              <a:t>l= </a:t>
-            </a:r>
-            <a:r>
-              <a:rPr lang="en-US" dirty="0"/>
-              <a:t>["It's over 9000 !", "All your base are belong to us."]</a:t>
-            </a:r>
-          </a:p>
-          <a:p>
-            <a:pPr lvl="1"/>
-            <a:r>
-              <a:rPr lang="en-US" dirty="0"/>
-              <a:t>print(map(</a:t>
-            </a:r>
-            <a:r>
-              <a:rPr lang="en-US" dirty="0" err="1"/>
-              <a:t>unicode.upper</a:t>
-            </a:r>
-            <a:r>
-              <a:rPr lang="en-US" dirty="0"/>
-              <a:t>, </a:t>
-            </a:r>
-            <a:r>
-              <a:rPr lang="en-US" dirty="0" smtClean="0"/>
-              <a:t>l))</a:t>
-            </a:r>
-          </a:p>
-          <a:p>
-            <a:pPr lvl="1"/>
+              <a:rPr lang="fr-FR" dirty="0" smtClean="0"/>
+              <a:t>() au lieu de []</a:t>
+            </a:r>
             <a:endParaRPr lang="fr-FR" dirty="0"/>
           </a:p>
         </p:txBody>
       </p:sp>
+      <p:pic>
+        <p:nvPicPr>
+          <p:cNvPr id="4" name="Image 3"/>
+          <p:cNvPicPr>
+            <a:picLocks noChangeAspect="1"/>
+          </p:cNvPicPr>
+          <p:nvPr/>
+        </p:nvPicPr>
+        <p:blipFill>
+          <a:blip r:embed="rId2"/>
+          <a:stretch>
+            <a:fillRect/>
+          </a:stretch>
+        </p:blipFill>
+        <p:spPr>
+          <a:xfrm>
+            <a:off x="1547664" y="4005064"/>
+            <a:ext cx="5271586" cy="1008112"/>
+          </a:xfrm>
+          <a:prstGeom prst="rect">
+            <a:avLst/>
+          </a:prstGeom>
+        </p:spPr>
+      </p:pic>
     </p:spTree>
     <p:extLst>
       <p:ext uri="{BB962C8B-B14F-4D97-AF65-F5344CB8AC3E}">
-        <p14:creationId xmlns:p14="http://schemas.microsoft.com/office/powerpoint/2010/main" val="3928039841"/>
+        <p14:creationId xmlns:p14="http://schemas.microsoft.com/office/powerpoint/2010/main" val="1168370978"/>
       </p:ext>
     </p:extLst>
   </p:cSld>
   <p:clrMapOvr>
     <a:masterClrMapping/>
   </p:clrMapOvr>
+  <p:timing>
+    <p:tnLst>
+      <p:par>
+        <p:cTn id="1" dur="indefinite" restart="never" nodeType="tmRoot"/>
+      </p:par>
+    </p:tnLst>
+  </p:timing>
 </p:sld>
 </file>
 
@@ -5259,7 +5272,7 @@
           <a:p>
             <a:r>
               <a:rPr lang="fr-FR" dirty="0" err="1" smtClean="0"/>
-              <a:t>Reduce</a:t>
+              <a:t>Yield</a:t>
             </a:r>
             <a:endParaRPr lang="fr-FR" dirty="0"/>
           </a:p>
@@ -5275,65 +5288,71 @@
             <p:ph idx="1"/>
           </p:nvPr>
         </p:nvSpPr>
-        <p:spPr>
-          <a:xfrm>
-            <a:off x="179512" y="1412776"/>
-            <a:ext cx="5439537" cy="5040560"/>
-          </a:xfrm>
-        </p:spPr>
+        <p:spPr/>
         <p:txBody>
           <a:bodyPr/>
           <a:lstStyle/>
           <a:p>
             <a:r>
+              <a:rPr lang="fr-FR" dirty="0" err="1"/>
+              <a:t>yield</a:t>
+            </a:r>
+            <a:r>
               <a:rPr lang="fr-FR" dirty="0"/>
-              <a:t>La fonction doit prendre deux paramètres en entrée, et retourner une </a:t>
-            </a:r>
-            <a:r>
-              <a:rPr lang="fr-FR" dirty="0" smtClean="0"/>
-              <a:t>valeur</a:t>
-            </a:r>
-          </a:p>
-          <a:p>
-            <a:r>
-              <a:rPr lang="fr-FR" dirty="0" smtClean="0"/>
-              <a:t>Au </a:t>
-            </a:r>
-            <a:r>
-              <a:rPr lang="fr-FR" dirty="0"/>
-              <a:t>premier appel, les deux premiers éléments de l’</a:t>
-            </a:r>
-            <a:r>
-              <a:rPr lang="fr-FR" dirty="0" err="1"/>
-              <a:t>itérable</a:t>
-            </a:r>
-            <a:r>
-              <a:rPr lang="fr-FR" dirty="0"/>
-              <a:t> sont passés en </a:t>
-            </a:r>
-            <a:r>
-              <a:rPr lang="fr-FR" dirty="0" smtClean="0"/>
-              <a:t>paramètres</a:t>
-            </a:r>
-          </a:p>
-          <a:p>
-            <a:r>
-              <a:rPr lang="fr-FR" dirty="0" smtClean="0"/>
-              <a:t>Ensuite</a:t>
-            </a:r>
-            <a:r>
-              <a:rPr lang="fr-FR" dirty="0"/>
-              <a:t>, le résultat de cet appel et l’élément suivant sont passés en paramètre, et ainsi de </a:t>
-            </a:r>
-            <a:r>
-              <a:rPr lang="fr-FR" dirty="0" smtClean="0"/>
-              <a:t>suite</a:t>
-            </a:r>
-          </a:p>
-          <a:p>
-            <a:r>
-              <a:rPr lang="fr-FR" dirty="0" smtClean="0"/>
-              <a:t>Vous avez compris ?</a:t>
+              <a:t> est un mot clé utilisé en lieu et place de return, à la différence près qu’on va récupérer un </a:t>
+            </a:r>
+            <a:r>
+              <a:rPr lang="fr-FR" dirty="0" smtClean="0"/>
+              <a:t>générateur</a:t>
+            </a:r>
+          </a:p>
+          <a:p>
+            <a:pPr lvl="1"/>
+            <a:r>
+              <a:rPr lang="fr-FR" dirty="0" smtClean="0"/>
+              <a:t>Exécution en retard (</a:t>
+            </a:r>
+            <a:r>
+              <a:rPr lang="fr-FR" dirty="0" err="1" smtClean="0"/>
+              <a:t>Lazy</a:t>
+            </a:r>
+            <a:r>
+              <a:rPr lang="fr-FR" dirty="0" smtClean="0"/>
+              <a:t> </a:t>
+            </a:r>
+            <a:r>
+              <a:rPr lang="fr-FR" dirty="0" err="1" smtClean="0"/>
+              <a:t>Loading</a:t>
+            </a:r>
+            <a:r>
+              <a:rPr lang="fr-FR" dirty="0" smtClean="0"/>
+              <a:t>)</a:t>
+            </a:r>
+          </a:p>
+          <a:p>
+            <a:pPr lvl="1"/>
+            <a:r>
+              <a:rPr lang="fr-FR" dirty="0" smtClean="0"/>
+              <a:t>Utilisé pour les filtres</a:t>
+            </a:r>
+          </a:p>
+          <a:p>
+            <a:pPr lvl="1"/>
+            <a:r>
+              <a:rPr lang="fr-FR" dirty="0" smtClean="0"/>
+              <a:t>Compatible </a:t>
+            </a:r>
+            <a:r>
+              <a:rPr lang="fr-FR" dirty="0" err="1" smtClean="0"/>
+              <a:t>await</a:t>
+            </a:r>
+            <a:r>
+              <a:rPr lang="fr-FR" dirty="0" smtClean="0"/>
+              <a:t> </a:t>
+            </a:r>
+            <a:r>
+              <a:rPr lang="fr-FR" smtClean="0"/>
+              <a:t>async</a:t>
             </a:r>
             <a:endParaRPr lang="fr-FR" dirty="0"/>
           </a:p>
@@ -5355,8 +5374,32 @@
         </p:blipFill>
         <p:spPr>
           <a:xfrm>
-            <a:off x="5619049" y="1412777"/>
-            <a:ext cx="3416850" cy="5040560"/>
+            <a:off x="4211960" y="3300899"/>
+            <a:ext cx="3562360" cy="1480740"/>
+          </a:xfrm>
+          <a:prstGeom prst="rect">
+            <a:avLst/>
+          </a:prstGeom>
+        </p:spPr>
+      </p:pic>
+      <p:pic>
+        <p:nvPicPr>
+          <p:cNvPr id="5" name="Image 4"/>
+          <p:cNvPicPr>
+            <a:picLocks noChangeAspect="1"/>
+          </p:cNvPicPr>
+          <p:nvPr/>
+        </p:nvPicPr>
+        <p:blipFill>
+          <a:blip r:embed="rId3"/>
+          <a:stretch>
+            <a:fillRect/>
+          </a:stretch>
+        </p:blipFill>
+        <p:spPr>
+          <a:xfrm>
+            <a:off x="4431436" y="5061500"/>
+            <a:ext cx="3123408" cy="753926"/>
           </a:xfrm>
           <a:prstGeom prst="rect">
             <a:avLst/>
@@ -5366,13 +5409,20 @@
     </p:spTree>
     <p:extLst>
       <p:ext uri="{BB962C8B-B14F-4D97-AF65-F5344CB8AC3E}">
-        <p14:creationId xmlns:p14="http://schemas.microsoft.com/office/powerpoint/2010/main" val="1138190459"/>
+        <p14:creationId xmlns:p14="http://schemas.microsoft.com/office/powerpoint/2010/main" val="1104021961"/>
       </p:ext>
     </p:extLst>
   </p:cSld>
   <p:clrMapOvr>
     <a:masterClrMapping/>
   </p:clrMapOvr>
+  <p:timing>
+    <p:tnLst>
+      <p:par>
+        <p:cTn id="1" dur="indefinite" restart="never" nodeType="tmRoot"/>
+      </p:par>
+    </p:tnLst>
+  </p:timing>
 </p:sld>
 </file>
 
@@ -5641,765 +5691,6 @@
 </p:sld>
 </file>
 
-<file path=ppt/slides/slide20.xml><?xml version="1.0" encoding="utf-8"?>
-<p:sld xmlns:a="http://schemas.openxmlformats.org/drawingml/2006/main" xmlns:r="http://schemas.openxmlformats.org/officeDocument/2006/relationships" xmlns:p="http://schemas.openxmlformats.org/presentationml/2006/main">
-  <p:cSld>
-    <p:spTree>
-      <p:nvGrpSpPr>
-        <p:cNvPr id="1" name=""/>
-        <p:cNvGrpSpPr/>
-        <p:nvPr/>
-      </p:nvGrpSpPr>
-      <p:grpSpPr>
-        <a:xfrm>
-          <a:off x="0" y="0"/>
-          <a:ext cx="0" cy="0"/>
-          <a:chOff x="0" y="0"/>
-          <a:chExt cx="0" cy="0"/>
-        </a:xfrm>
-      </p:grpSpPr>
-      <p:sp>
-        <p:nvSpPr>
-          <p:cNvPr id="2" name="Titre 1"/>
-          <p:cNvSpPr>
-            <a:spLocks noGrp="1"/>
-          </p:cNvSpPr>
-          <p:nvPr>
-            <p:ph type="title"/>
-          </p:nvPr>
-        </p:nvSpPr>
-        <p:spPr/>
-        <p:txBody>
-          <a:bodyPr/>
-          <a:lstStyle/>
-          <a:p>
-            <a:r>
-              <a:rPr lang="fr-FR" dirty="0" err="1" smtClean="0"/>
-              <a:t>Reduce</a:t>
-            </a:r>
-            <a:endParaRPr lang="fr-FR" dirty="0"/>
-          </a:p>
-        </p:txBody>
-      </p:sp>
-      <p:sp>
-        <p:nvSpPr>
-          <p:cNvPr id="3" name="Espace réservé du contenu 2"/>
-          <p:cNvSpPr>
-            <a:spLocks noGrp="1"/>
-          </p:cNvSpPr>
-          <p:nvPr>
-            <p:ph idx="1"/>
-          </p:nvPr>
-        </p:nvSpPr>
-        <p:spPr/>
-        <p:txBody>
-          <a:bodyPr/>
-          <a:lstStyle/>
-          <a:p>
-            <a:r>
-              <a:rPr lang="fr-FR" sz="2400" dirty="0" smtClean="0"/>
-              <a:t>A quoi sert le </a:t>
-            </a:r>
-            <a:r>
-              <a:rPr lang="fr-FR" sz="2400" dirty="0" err="1" smtClean="0"/>
-              <a:t>reduce</a:t>
-            </a:r>
-            <a:r>
-              <a:rPr lang="fr-FR" sz="2400" dirty="0" smtClean="0"/>
-              <a:t> ?</a:t>
-            </a:r>
-          </a:p>
-          <a:p>
-            <a:pPr lvl="1"/>
-            <a:r>
-              <a:rPr lang="fr-FR" sz="2000" dirty="0" smtClean="0"/>
-              <a:t>Permet de faire des opérations d’agrégation en une ligne</a:t>
-            </a:r>
-          </a:p>
-          <a:p>
-            <a:pPr lvl="1"/>
-            <a:r>
-              <a:rPr lang="fr-FR" sz="2000" dirty="0" smtClean="0"/>
-              <a:t>Par exemple il n’existe pas l’équivalent de </a:t>
-            </a:r>
-            <a:r>
-              <a:rPr lang="fr-FR" sz="2000" dirty="0" err="1" smtClean="0"/>
-              <a:t>sum</a:t>
-            </a:r>
-            <a:r>
-              <a:rPr lang="fr-FR" sz="2000" dirty="0" smtClean="0"/>
-              <a:t> pour la multiplication</a:t>
-            </a:r>
-          </a:p>
-          <a:p>
-            <a:pPr lvl="1"/>
-            <a:r>
-              <a:rPr lang="fr-FR" sz="2000" dirty="0" err="1"/>
-              <a:t>print</a:t>
-            </a:r>
-            <a:r>
-              <a:rPr lang="fr-FR" sz="2000" dirty="0"/>
-              <a:t>(</a:t>
-            </a:r>
-            <a:r>
-              <a:rPr lang="fr-FR" sz="2000" dirty="0" err="1"/>
-              <a:t>sum</a:t>
-            </a:r>
-            <a:r>
-              <a:rPr lang="fr-FR" sz="2000" dirty="0"/>
-              <a:t>(range(10</a:t>
-            </a:r>
-            <a:r>
-              <a:rPr lang="fr-FR" sz="2000" dirty="0" smtClean="0"/>
-              <a:t>))) # donne 45</a:t>
-            </a:r>
-            <a:endParaRPr lang="fr-FR" sz="2000" dirty="0"/>
-          </a:p>
-          <a:p>
-            <a:pPr lvl="1"/>
-            <a:r>
-              <a:rPr lang="en-US" sz="2000" dirty="0"/>
-              <a:t>print(reduce(lambda a, b: a * b, range(1, 11</a:t>
-            </a:r>
-            <a:r>
-              <a:rPr lang="en-US" sz="2000" dirty="0" smtClean="0"/>
-              <a:t>))) # </a:t>
-            </a:r>
-            <a:r>
-              <a:rPr lang="en-US" sz="2000" dirty="0" err="1" smtClean="0"/>
-              <a:t>donne</a:t>
-            </a:r>
-            <a:r>
-              <a:rPr lang="en-US" sz="2000" dirty="0" smtClean="0"/>
-              <a:t> 3628800</a:t>
-            </a:r>
-          </a:p>
-          <a:p>
-            <a:r>
-              <a:rPr lang="en-US" sz="2400" dirty="0" err="1" smtClean="0"/>
-              <a:t>Combiné</a:t>
-            </a:r>
-            <a:r>
-              <a:rPr lang="en-US" sz="2400" dirty="0" smtClean="0"/>
-              <a:t> à map, </a:t>
-            </a:r>
-            <a:r>
-              <a:rPr lang="en-US" sz="2400" dirty="0" err="1" smtClean="0"/>
-              <a:t>peut</a:t>
-            </a:r>
-            <a:r>
-              <a:rPr lang="en-US" sz="2400" dirty="0" smtClean="0"/>
-              <a:t> donner un </a:t>
-            </a:r>
-            <a:r>
-              <a:rPr lang="en-US" sz="2400" dirty="0" err="1" smtClean="0"/>
-              <a:t>résultat</a:t>
-            </a:r>
-            <a:r>
-              <a:rPr lang="en-US" sz="2400" dirty="0" smtClean="0"/>
-              <a:t> </a:t>
-            </a:r>
-            <a:r>
-              <a:rPr lang="en-US" sz="2400" dirty="0" err="1" smtClean="0"/>
-              <a:t>très</a:t>
-            </a:r>
-            <a:r>
-              <a:rPr lang="en-US" sz="2400" dirty="0" smtClean="0"/>
-              <a:t> puissant</a:t>
-            </a:r>
-          </a:p>
-          <a:p>
-            <a:pPr lvl="1"/>
-            <a:r>
-              <a:rPr lang="en-US" sz="2000" dirty="0" err="1" smtClean="0"/>
-              <a:t>Très</a:t>
-            </a:r>
-            <a:r>
-              <a:rPr lang="en-US" sz="2000" dirty="0" smtClean="0"/>
-              <a:t> </a:t>
-            </a:r>
-            <a:r>
-              <a:rPr lang="en-US" sz="2000" dirty="0" err="1" smtClean="0"/>
-              <a:t>cryptique</a:t>
-            </a:r>
-            <a:endParaRPr lang="en-US" sz="2000" dirty="0" smtClean="0"/>
-          </a:p>
-          <a:p>
-            <a:r>
-              <a:rPr lang="en-US" sz="2400" dirty="0" err="1" smtClean="0"/>
-              <a:t>Peut</a:t>
-            </a:r>
-            <a:r>
-              <a:rPr lang="en-US" sz="2400" dirty="0" smtClean="0"/>
-              <a:t> se </a:t>
-            </a:r>
-            <a:r>
-              <a:rPr lang="en-US" sz="2400" dirty="0" err="1" smtClean="0"/>
-              <a:t>réecrire</a:t>
-            </a:r>
-            <a:r>
-              <a:rPr lang="en-US" sz="2400" dirty="0" smtClean="0"/>
-              <a:t> avec </a:t>
-            </a:r>
-            <a:r>
-              <a:rPr lang="en-US" sz="2400" dirty="0" err="1" smtClean="0"/>
-              <a:t>une</a:t>
-            </a:r>
-            <a:r>
-              <a:rPr lang="en-US" sz="2400" dirty="0" smtClean="0"/>
-              <a:t> </a:t>
-            </a:r>
-            <a:r>
-              <a:rPr lang="en-US" sz="2400" dirty="0" err="1" smtClean="0"/>
-              <a:t>liste</a:t>
-            </a:r>
-            <a:r>
-              <a:rPr lang="en-US" sz="2400" dirty="0" smtClean="0"/>
-              <a:t> </a:t>
-            </a:r>
-            <a:r>
-              <a:rPr lang="en-US" sz="2400" dirty="0" err="1" smtClean="0"/>
-              <a:t>en</a:t>
-            </a:r>
-            <a:r>
-              <a:rPr lang="en-US" sz="2400" dirty="0" smtClean="0"/>
-              <a:t> intention</a:t>
-            </a:r>
-          </a:p>
-          <a:p>
-            <a:pPr lvl="1"/>
-            <a:r>
-              <a:rPr lang="en-US" sz="2000" dirty="0" smtClean="0"/>
-              <a:t>Map correspond à la </a:t>
-            </a:r>
-            <a:r>
-              <a:rPr lang="en-US" sz="2000" dirty="0" err="1" smtClean="0"/>
-              <a:t>partie</a:t>
-            </a:r>
-            <a:r>
-              <a:rPr lang="en-US" sz="2000" dirty="0" smtClean="0"/>
-              <a:t> gauche et filter à la </a:t>
-            </a:r>
-            <a:r>
-              <a:rPr lang="en-US" sz="2000" dirty="0" err="1" smtClean="0"/>
-              <a:t>partie</a:t>
-            </a:r>
-            <a:r>
-              <a:rPr lang="en-US" sz="2000" dirty="0" smtClean="0"/>
-              <a:t> </a:t>
-            </a:r>
-            <a:r>
-              <a:rPr lang="en-US" sz="2000" dirty="0" err="1" smtClean="0"/>
-              <a:t>droite</a:t>
-            </a:r>
-            <a:endParaRPr lang="fr-FR" sz="2000" dirty="0" smtClean="0"/>
-          </a:p>
-          <a:p>
-            <a:pPr lvl="1"/>
-            <a:endParaRPr lang="fr-FR" sz="2000" dirty="0"/>
-          </a:p>
-        </p:txBody>
-      </p:sp>
-    </p:spTree>
-    <p:extLst>
-      <p:ext uri="{BB962C8B-B14F-4D97-AF65-F5344CB8AC3E}">
-        <p14:creationId xmlns:p14="http://schemas.microsoft.com/office/powerpoint/2010/main" val="1548421521"/>
-      </p:ext>
-    </p:extLst>
-  </p:cSld>
-  <p:clrMapOvr>
-    <a:masterClrMapping/>
-  </p:clrMapOvr>
-</p:sld>
-</file>
-
-<file path=ppt/slides/slide21.xml><?xml version="1.0" encoding="utf-8"?>
-<p:sld xmlns:a="http://schemas.openxmlformats.org/drawingml/2006/main" xmlns:r="http://schemas.openxmlformats.org/officeDocument/2006/relationships" xmlns:p="http://schemas.openxmlformats.org/presentationml/2006/main">
-  <p:cSld>
-    <p:spTree>
-      <p:nvGrpSpPr>
-        <p:cNvPr id="1" name=""/>
-        <p:cNvGrpSpPr/>
-        <p:nvPr/>
-      </p:nvGrpSpPr>
-      <p:grpSpPr>
-        <a:xfrm>
-          <a:off x="0" y="0"/>
-          <a:ext cx="0" cy="0"/>
-          <a:chOff x="0" y="0"/>
-          <a:chExt cx="0" cy="0"/>
-        </a:xfrm>
-      </p:grpSpPr>
-      <p:sp>
-        <p:nvSpPr>
-          <p:cNvPr id="2" name="Titre 1"/>
-          <p:cNvSpPr>
-            <a:spLocks noGrp="1"/>
-          </p:cNvSpPr>
-          <p:nvPr>
-            <p:ph type="title"/>
-          </p:nvPr>
-        </p:nvSpPr>
-        <p:spPr/>
-        <p:txBody>
-          <a:bodyPr/>
-          <a:lstStyle/>
-          <a:p>
-            <a:r>
-              <a:rPr lang="fr-FR" dirty="0" smtClean="0"/>
-              <a:t>Les listes en intension</a:t>
-            </a:r>
-            <a:endParaRPr lang="fr-FR" dirty="0"/>
-          </a:p>
-        </p:txBody>
-      </p:sp>
-      <p:sp>
-        <p:nvSpPr>
-          <p:cNvPr id="3" name="Espace réservé du contenu 2"/>
-          <p:cNvSpPr>
-            <a:spLocks noGrp="1"/>
-          </p:cNvSpPr>
-          <p:nvPr>
-            <p:ph idx="1"/>
-          </p:nvPr>
-        </p:nvSpPr>
-        <p:spPr/>
-        <p:txBody>
-          <a:bodyPr/>
-          <a:lstStyle/>
-          <a:p>
-            <a:r>
-              <a:rPr lang="fr-FR" dirty="0" smtClean="0"/>
-              <a:t>Rappel</a:t>
-            </a:r>
-          </a:p>
-          <a:p>
-            <a:pPr lvl="1"/>
-            <a:r>
-              <a:rPr lang="fr-FR" dirty="0" smtClean="0"/>
-              <a:t>Il est possible d’effectuer une boucle une liste grâce aux </a:t>
-            </a:r>
-            <a:r>
-              <a:rPr lang="fr-FR" dirty="0" err="1" smtClean="0"/>
-              <a:t>itérateurs</a:t>
-            </a:r>
-            <a:endParaRPr lang="fr-FR" dirty="0" smtClean="0"/>
-          </a:p>
-          <a:p>
-            <a:pPr lvl="2"/>
-            <a:endParaRPr lang="fr-FR" dirty="0" smtClean="0"/>
-          </a:p>
-          <a:p>
-            <a:pPr lvl="2"/>
-            <a:endParaRPr lang="fr-FR" dirty="0"/>
-          </a:p>
-          <a:p>
-            <a:pPr lvl="2"/>
-            <a:endParaRPr lang="fr-FR" dirty="0" smtClean="0"/>
-          </a:p>
-          <a:p>
-            <a:r>
-              <a:rPr lang="fr-FR" dirty="0" smtClean="0"/>
-              <a:t>Il est possible de créer une liste en intension qui </a:t>
-            </a:r>
-            <a:r>
-              <a:rPr lang="fr-FR" smtClean="0"/>
-              <a:t>sera une liste</a:t>
-            </a:r>
-            <a:endParaRPr lang="fr-FR" dirty="0" smtClean="0"/>
-          </a:p>
-        </p:txBody>
-      </p:sp>
-      <p:pic>
-        <p:nvPicPr>
-          <p:cNvPr id="4" name="Image 3"/>
-          <p:cNvPicPr>
-            <a:picLocks noChangeAspect="1"/>
-          </p:cNvPicPr>
-          <p:nvPr/>
-        </p:nvPicPr>
-        <p:blipFill>
-          <a:blip r:embed="rId2"/>
-          <a:stretch>
-            <a:fillRect/>
-          </a:stretch>
-        </p:blipFill>
-        <p:spPr>
-          <a:xfrm>
-            <a:off x="2915816" y="2924944"/>
-            <a:ext cx="2256530" cy="895722"/>
-          </a:xfrm>
-          <a:prstGeom prst="rect">
-            <a:avLst/>
-          </a:prstGeom>
-        </p:spPr>
-      </p:pic>
-      <p:pic>
-        <p:nvPicPr>
-          <p:cNvPr id="5" name="Image 4"/>
-          <p:cNvPicPr>
-            <a:picLocks noChangeAspect="1"/>
-          </p:cNvPicPr>
-          <p:nvPr/>
-        </p:nvPicPr>
-        <p:blipFill>
-          <a:blip r:embed="rId3"/>
-          <a:stretch>
-            <a:fillRect/>
-          </a:stretch>
-        </p:blipFill>
-        <p:spPr>
-          <a:xfrm>
-            <a:off x="2895541" y="4837918"/>
-            <a:ext cx="3842873" cy="989831"/>
-          </a:xfrm>
-          <a:prstGeom prst="rect">
-            <a:avLst/>
-          </a:prstGeom>
-        </p:spPr>
-      </p:pic>
-    </p:spTree>
-    <p:extLst>
-      <p:ext uri="{BB962C8B-B14F-4D97-AF65-F5344CB8AC3E}">
-        <p14:creationId xmlns:p14="http://schemas.microsoft.com/office/powerpoint/2010/main" val="3347416299"/>
-      </p:ext>
-    </p:extLst>
-  </p:cSld>
-  <p:clrMapOvr>
-    <a:masterClrMapping/>
-  </p:clrMapOvr>
-  <p:timing>
-    <p:tnLst>
-      <p:par>
-        <p:cTn id="1" dur="indefinite" restart="never" nodeType="tmRoot"/>
-      </p:par>
-    </p:tnLst>
-  </p:timing>
-</p:sld>
-</file>
-
-<file path=ppt/slides/slide22.xml><?xml version="1.0" encoding="utf-8"?>
-<p:sld xmlns:a="http://schemas.openxmlformats.org/drawingml/2006/main" xmlns:r="http://schemas.openxmlformats.org/officeDocument/2006/relationships" xmlns:p="http://schemas.openxmlformats.org/presentationml/2006/main">
-  <p:cSld>
-    <p:spTree>
-      <p:nvGrpSpPr>
-        <p:cNvPr id="1" name=""/>
-        <p:cNvGrpSpPr/>
-        <p:nvPr/>
-      </p:nvGrpSpPr>
-      <p:grpSpPr>
-        <a:xfrm>
-          <a:off x="0" y="0"/>
-          <a:ext cx="0" cy="0"/>
-          <a:chOff x="0" y="0"/>
-          <a:chExt cx="0" cy="0"/>
-        </a:xfrm>
-      </p:grpSpPr>
-      <p:sp>
-        <p:nvSpPr>
-          <p:cNvPr id="2" name="Titre 1"/>
-          <p:cNvSpPr>
-            <a:spLocks noGrp="1"/>
-          </p:cNvSpPr>
-          <p:nvPr>
-            <p:ph type="title"/>
-          </p:nvPr>
-        </p:nvSpPr>
-        <p:spPr/>
-        <p:txBody>
-          <a:bodyPr/>
-          <a:lstStyle/>
-          <a:p>
-            <a:r>
-              <a:rPr lang="fr-FR" dirty="0" smtClean="0"/>
-              <a:t>Générateur</a:t>
-            </a:r>
-            <a:endParaRPr lang="fr-FR" dirty="0"/>
-          </a:p>
-        </p:txBody>
-      </p:sp>
-      <p:sp>
-        <p:nvSpPr>
-          <p:cNvPr id="3" name="Espace réservé du contenu 2"/>
-          <p:cNvSpPr>
-            <a:spLocks noGrp="1"/>
-          </p:cNvSpPr>
-          <p:nvPr>
-            <p:ph idx="1"/>
-          </p:nvPr>
-        </p:nvSpPr>
-        <p:spPr/>
-        <p:txBody>
-          <a:bodyPr/>
-          <a:lstStyle/>
-          <a:p>
-            <a:r>
-              <a:rPr lang="fr-FR" dirty="0" smtClean="0"/>
-              <a:t>Un générateur est identique à une liste en intension mais elle sera exécuté uniquement au moment du for</a:t>
-            </a:r>
-          </a:p>
-          <a:p>
-            <a:pPr lvl="1"/>
-            <a:r>
-              <a:rPr lang="fr-FR" dirty="0" smtClean="0"/>
-              <a:t>Utilisateur du </a:t>
-            </a:r>
-            <a:r>
-              <a:rPr lang="fr-FR" dirty="0" err="1" smtClean="0"/>
-              <a:t>yield</a:t>
-            </a:r>
-            <a:r>
-              <a:rPr lang="fr-FR" dirty="0" smtClean="0"/>
-              <a:t> au lieu de l’</a:t>
-            </a:r>
-            <a:r>
-              <a:rPr lang="fr-FR" dirty="0" err="1" smtClean="0"/>
-              <a:t>itérateur</a:t>
-            </a:r>
-            <a:endParaRPr lang="fr-FR" dirty="0" smtClean="0"/>
-          </a:p>
-          <a:p>
-            <a:pPr lvl="1"/>
-            <a:r>
-              <a:rPr lang="fr-FR" dirty="0" smtClean="0"/>
-              <a:t>() au lieu de []</a:t>
-            </a:r>
-            <a:endParaRPr lang="fr-FR" dirty="0"/>
-          </a:p>
-        </p:txBody>
-      </p:sp>
-      <p:pic>
-        <p:nvPicPr>
-          <p:cNvPr id="4" name="Image 3"/>
-          <p:cNvPicPr>
-            <a:picLocks noChangeAspect="1"/>
-          </p:cNvPicPr>
-          <p:nvPr/>
-        </p:nvPicPr>
-        <p:blipFill>
-          <a:blip r:embed="rId2"/>
-          <a:stretch>
-            <a:fillRect/>
-          </a:stretch>
-        </p:blipFill>
-        <p:spPr>
-          <a:xfrm>
-            <a:off x="1547664" y="4005064"/>
-            <a:ext cx="5271586" cy="1008112"/>
-          </a:xfrm>
-          <a:prstGeom prst="rect">
-            <a:avLst/>
-          </a:prstGeom>
-        </p:spPr>
-      </p:pic>
-    </p:spTree>
-    <p:extLst>
-      <p:ext uri="{BB962C8B-B14F-4D97-AF65-F5344CB8AC3E}">
-        <p14:creationId xmlns:p14="http://schemas.microsoft.com/office/powerpoint/2010/main" val="1168370978"/>
-      </p:ext>
-    </p:extLst>
-  </p:cSld>
-  <p:clrMapOvr>
-    <a:masterClrMapping/>
-  </p:clrMapOvr>
-  <p:timing>
-    <p:tnLst>
-      <p:par>
-        <p:cTn id="1" dur="indefinite" restart="never" nodeType="tmRoot"/>
-      </p:par>
-    </p:tnLst>
-  </p:timing>
-</p:sld>
-</file>
-
-<file path=ppt/slides/slide23.xml><?xml version="1.0" encoding="utf-8"?>
-<p:sld xmlns:a="http://schemas.openxmlformats.org/drawingml/2006/main" xmlns:r="http://schemas.openxmlformats.org/officeDocument/2006/relationships" xmlns:p="http://schemas.openxmlformats.org/presentationml/2006/main">
-  <p:cSld>
-    <p:spTree>
-      <p:nvGrpSpPr>
-        <p:cNvPr id="1" name=""/>
-        <p:cNvGrpSpPr/>
-        <p:nvPr/>
-      </p:nvGrpSpPr>
-      <p:grpSpPr>
-        <a:xfrm>
-          <a:off x="0" y="0"/>
-          <a:ext cx="0" cy="0"/>
-          <a:chOff x="0" y="0"/>
-          <a:chExt cx="0" cy="0"/>
-        </a:xfrm>
-      </p:grpSpPr>
-      <p:sp>
-        <p:nvSpPr>
-          <p:cNvPr id="2" name="Titre 1"/>
-          <p:cNvSpPr>
-            <a:spLocks noGrp="1"/>
-          </p:cNvSpPr>
-          <p:nvPr>
-            <p:ph type="title"/>
-          </p:nvPr>
-        </p:nvSpPr>
-        <p:spPr/>
-        <p:txBody>
-          <a:bodyPr/>
-          <a:lstStyle/>
-          <a:p>
-            <a:r>
-              <a:rPr lang="fr-FR" dirty="0" err="1" smtClean="0"/>
-              <a:t>Yield</a:t>
-            </a:r>
-            <a:endParaRPr lang="fr-FR" dirty="0"/>
-          </a:p>
-        </p:txBody>
-      </p:sp>
-      <p:sp>
-        <p:nvSpPr>
-          <p:cNvPr id="3" name="Espace réservé du contenu 2"/>
-          <p:cNvSpPr>
-            <a:spLocks noGrp="1"/>
-          </p:cNvSpPr>
-          <p:nvPr>
-            <p:ph idx="1"/>
-          </p:nvPr>
-        </p:nvSpPr>
-        <p:spPr/>
-        <p:txBody>
-          <a:bodyPr/>
-          <a:lstStyle/>
-          <a:p>
-            <a:r>
-              <a:rPr lang="fr-FR" dirty="0" err="1"/>
-              <a:t>yield</a:t>
-            </a:r>
-            <a:r>
-              <a:rPr lang="fr-FR" dirty="0"/>
-              <a:t> est un mot clé utilisé en lieu et place de return, à la différence près qu’on va récupérer un </a:t>
-            </a:r>
-            <a:r>
-              <a:rPr lang="fr-FR" dirty="0" smtClean="0"/>
-              <a:t>générateur</a:t>
-            </a:r>
-          </a:p>
-          <a:p>
-            <a:pPr lvl="1"/>
-            <a:r>
-              <a:rPr lang="fr-FR" dirty="0" smtClean="0"/>
-              <a:t>Exécution en retard (</a:t>
-            </a:r>
-            <a:r>
-              <a:rPr lang="fr-FR" dirty="0" err="1" smtClean="0"/>
-              <a:t>Lazy</a:t>
-            </a:r>
-            <a:r>
-              <a:rPr lang="fr-FR" dirty="0" smtClean="0"/>
-              <a:t> </a:t>
-            </a:r>
-            <a:r>
-              <a:rPr lang="fr-FR" dirty="0" err="1" smtClean="0"/>
-              <a:t>Loading</a:t>
-            </a:r>
-            <a:r>
-              <a:rPr lang="fr-FR" dirty="0" smtClean="0"/>
-              <a:t>)</a:t>
-            </a:r>
-          </a:p>
-          <a:p>
-            <a:pPr lvl="1"/>
-            <a:r>
-              <a:rPr lang="fr-FR" dirty="0" smtClean="0"/>
-              <a:t>Utilisé pour les filtres</a:t>
-            </a:r>
-          </a:p>
-          <a:p>
-            <a:pPr lvl="1"/>
-            <a:r>
-              <a:rPr lang="fr-FR" dirty="0" smtClean="0"/>
-              <a:t>Compatible </a:t>
-            </a:r>
-            <a:r>
-              <a:rPr lang="fr-FR" dirty="0" err="1" smtClean="0"/>
-              <a:t>await</a:t>
-            </a:r>
-            <a:r>
-              <a:rPr lang="fr-FR" dirty="0" smtClean="0"/>
-              <a:t> </a:t>
-            </a:r>
-            <a:r>
-              <a:rPr lang="fr-FR" smtClean="0"/>
-              <a:t>async</a:t>
-            </a:r>
-            <a:endParaRPr lang="fr-FR" dirty="0"/>
-          </a:p>
-        </p:txBody>
-      </p:sp>
-      <p:pic>
-        <p:nvPicPr>
-          <p:cNvPr id="4" name="Image 3"/>
-          <p:cNvPicPr>
-            <a:picLocks noChangeAspect="1"/>
-          </p:cNvPicPr>
-          <p:nvPr/>
-        </p:nvPicPr>
-        <p:blipFill>
-          <a:blip r:embed="rId2"/>
-          <a:stretch>
-            <a:fillRect/>
-          </a:stretch>
-        </p:blipFill>
-        <p:spPr>
-          <a:xfrm>
-            <a:off x="4211960" y="3300899"/>
-            <a:ext cx="3562360" cy="1480740"/>
-          </a:xfrm>
-          <a:prstGeom prst="rect">
-            <a:avLst/>
-          </a:prstGeom>
-        </p:spPr>
-      </p:pic>
-      <p:pic>
-        <p:nvPicPr>
-          <p:cNvPr id="5" name="Image 4"/>
-          <p:cNvPicPr>
-            <a:picLocks noChangeAspect="1"/>
-          </p:cNvPicPr>
-          <p:nvPr/>
-        </p:nvPicPr>
-        <p:blipFill>
-          <a:blip r:embed="rId3"/>
-          <a:stretch>
-            <a:fillRect/>
-          </a:stretch>
-        </p:blipFill>
-        <p:spPr>
-          <a:xfrm>
-            <a:off x="4431436" y="5061500"/>
-            <a:ext cx="3123408" cy="753926"/>
-          </a:xfrm>
-          <a:prstGeom prst="rect">
-            <a:avLst/>
-          </a:prstGeom>
-        </p:spPr>
-      </p:pic>
-    </p:spTree>
-    <p:extLst>
-      <p:ext uri="{BB962C8B-B14F-4D97-AF65-F5344CB8AC3E}">
-        <p14:creationId xmlns:p14="http://schemas.microsoft.com/office/powerpoint/2010/main" val="1104021961"/>
-      </p:ext>
-    </p:extLst>
-  </p:cSld>
-  <p:clrMapOvr>
-    <a:masterClrMapping/>
-  </p:clrMapOvr>
-  <p:timing>
-    <p:tnLst>
-      <p:par>
-        <p:cTn id="1" dur="indefinite" restart="never" nodeType="tmRoot"/>
-      </p:par>
-    </p:tnLst>
-  </p:timing>
-</p:sld>
-</file>
-
 <file path=ppt/slides/slide3.xml><?xml version="1.0" encoding="utf-8"?>
 <p:sld xmlns:a="http://schemas.openxmlformats.org/drawingml/2006/main" xmlns:r="http://schemas.openxmlformats.org/officeDocument/2006/relationships" xmlns:p="http://schemas.openxmlformats.org/presentationml/2006/main">
   <p:cSld>
@@ -7105,6 +6396,13 @@
   <p:clrMapOvr>
     <a:masterClrMapping/>
   </p:clrMapOvr>
+  <p:timing>
+    <p:tnLst>
+      <p:par>
+        <p:cTn id="1" dur="indefinite" restart="never" nodeType="tmRoot"/>
+      </p:par>
+    </p:tnLst>
+  </p:timing>
 </p:sld>
 </file>
 
@@ -7182,6 +6480,13 @@
   <p:clrMapOvr>
     <a:masterClrMapping/>
   </p:clrMapOvr>
+  <p:timing>
+    <p:tnLst>
+      <p:par>
+        <p:cTn id="1" dur="indefinite" restart="never" nodeType="tmRoot"/>
+      </p:par>
+    </p:tnLst>
+  </p:timing>
 </p:sld>
 </file>
 

--- a/ppt/Python15-Reflexion.pptx
+++ b/ppt/Python15-Reflexion.pptx
@@ -5,10 +5,10 @@
     <p:sldMasterId id="2147483653" r:id="rId1"/>
   </p:sldMasterIdLst>
   <p:notesMasterIdLst>
-    <p:notesMasterId r:id="rId21"/>
+    <p:notesMasterId r:id="rId19"/>
   </p:notesMasterIdLst>
   <p:handoutMasterIdLst>
-    <p:handoutMasterId r:id="rId22"/>
+    <p:handoutMasterId r:id="rId20"/>
   </p:handoutMasterIdLst>
   <p:sldIdLst>
     <p:sldId id="264" r:id="rId2"/>
@@ -17,19 +17,17 @@
     <p:sldId id="288" r:id="rId5"/>
     <p:sldId id="289" r:id="rId6"/>
     <p:sldId id="290" r:id="rId7"/>
-    <p:sldId id="291" r:id="rId8"/>
-    <p:sldId id="292" r:id="rId9"/>
-    <p:sldId id="269" r:id="rId10"/>
-    <p:sldId id="270" r:id="rId11"/>
-    <p:sldId id="271" r:id="rId12"/>
-    <p:sldId id="282" r:id="rId13"/>
-    <p:sldId id="274" r:id="rId14"/>
-    <p:sldId id="275" r:id="rId15"/>
-    <p:sldId id="276" r:id="rId16"/>
-    <p:sldId id="285" r:id="rId17"/>
-    <p:sldId id="277" r:id="rId18"/>
-    <p:sldId id="278" r:id="rId19"/>
-    <p:sldId id="279" r:id="rId20"/>
+    <p:sldId id="269" r:id="rId8"/>
+    <p:sldId id="270" r:id="rId9"/>
+    <p:sldId id="271" r:id="rId10"/>
+    <p:sldId id="282" r:id="rId11"/>
+    <p:sldId id="274" r:id="rId12"/>
+    <p:sldId id="275" r:id="rId13"/>
+    <p:sldId id="276" r:id="rId14"/>
+    <p:sldId id="285" r:id="rId15"/>
+    <p:sldId id="277" r:id="rId16"/>
+    <p:sldId id="278" r:id="rId17"/>
+    <p:sldId id="279" r:id="rId18"/>
   </p:sldIdLst>
   <p:sldSz cx="9144000" cy="6858000" type="screen4x3"/>
   <p:notesSz cx="6648450" cy="9782175"/>
@@ -622,35 +620,35 @@
           <a:p>
             <a:pPr lvl="0"/>
             <a:r>
-              <a:rPr lang="fr-FR" noProof="0" smtClean="0"/>
+              <a:rPr lang="fr-FR" noProof="0"/>
               <a:t>Cliquez pour modifier les styles du texte du masque</a:t>
             </a:r>
           </a:p>
           <a:p>
             <a:pPr lvl="1"/>
             <a:r>
-              <a:rPr lang="fr-FR" noProof="0" smtClean="0"/>
+              <a:rPr lang="fr-FR" noProof="0"/>
               <a:t>Deuxième niveau</a:t>
             </a:r>
           </a:p>
           <a:p>
             <a:pPr lvl="2"/>
             <a:r>
-              <a:rPr lang="fr-FR" noProof="0" smtClean="0"/>
+              <a:rPr lang="fr-FR" noProof="0"/>
               <a:t>Troisième niveau</a:t>
             </a:r>
           </a:p>
           <a:p>
             <a:pPr lvl="3"/>
             <a:r>
-              <a:rPr lang="fr-FR" noProof="0" smtClean="0"/>
+              <a:rPr lang="fr-FR" noProof="0"/>
               <a:t>Quatrième niveau</a:t>
             </a:r>
           </a:p>
           <a:p>
             <a:pPr lvl="4"/>
             <a:r>
-              <a:rPr lang="fr-FR" noProof="0" smtClean="0"/>
+              <a:rPr lang="fr-FR" noProof="0"/>
               <a:t>Cinquième niveau</a:t>
             </a:r>
           </a:p>
@@ -938,10 +936,9 @@
           <a:lstStyle/>
           <a:p>
             <a:r>
-              <a:rPr lang="fr-FR" smtClean="0"/>
+              <a:rPr lang="fr-FR"/>
               <a:t>Cliquez pour modifier le style du titre</a:t>
             </a:r>
-            <a:endParaRPr lang="fr-FR"/>
           </a:p>
         </p:txBody>
       </p:sp>
@@ -1003,10 +1000,9 @@
           </a:lstStyle>
           <a:p>
             <a:r>
-              <a:rPr lang="fr-FR" smtClean="0"/>
+              <a:rPr lang="fr-FR"/>
               <a:t>Cliquez pour modifier le style des sous-titres du masque</a:t>
             </a:r>
-            <a:endParaRPr lang="fr-FR"/>
           </a:p>
         </p:txBody>
       </p:sp>
@@ -1061,10 +1057,9 @@
           <a:lstStyle/>
           <a:p>
             <a:r>
-              <a:rPr lang="fr-FR" smtClean="0"/>
+              <a:rPr lang="fr-FR"/>
               <a:t>Cliquez pour modifier le style du titre</a:t>
             </a:r>
-            <a:endParaRPr lang="fr-FR"/>
           </a:p>
         </p:txBody>
       </p:sp>
@@ -1090,38 +1085,37 @@
           <a:p>
             <a:pPr lvl="0"/>
             <a:r>
-              <a:rPr lang="fr-FR" smtClean="0"/>
+              <a:rPr lang="fr-FR"/>
               <a:t>Cliquez pour modifier les styles du texte du masque</a:t>
             </a:r>
           </a:p>
           <a:p>
             <a:pPr lvl="1"/>
             <a:r>
-              <a:rPr lang="fr-FR" smtClean="0"/>
+              <a:rPr lang="fr-FR"/>
               <a:t>Deuxième niveau</a:t>
             </a:r>
           </a:p>
           <a:p>
             <a:pPr lvl="2"/>
             <a:r>
-              <a:rPr lang="fr-FR" smtClean="0"/>
+              <a:rPr lang="fr-FR"/>
               <a:t>Troisième niveau</a:t>
             </a:r>
           </a:p>
           <a:p>
             <a:pPr lvl="3"/>
             <a:r>
-              <a:rPr lang="fr-FR" smtClean="0"/>
+              <a:rPr lang="fr-FR"/>
               <a:t>Quatrième niveau</a:t>
             </a:r>
           </a:p>
           <a:p>
             <a:pPr lvl="4"/>
             <a:r>
-              <a:rPr lang="fr-FR" smtClean="0"/>
+              <a:rPr lang="fr-FR"/>
               <a:t>Cinquième niveau</a:t>
             </a:r>
-            <a:endParaRPr lang="fr-FR"/>
           </a:p>
         </p:txBody>
       </p:sp>
@@ -1180,10 +1174,9 @@
           </a:lstStyle>
           <a:p>
             <a:r>
-              <a:rPr lang="fr-FR" dirty="0" smtClean="0"/>
+              <a:rPr lang="fr-FR" dirty="0"/>
               <a:t>Cliquez pour modifier le style du titre</a:t>
             </a:r>
-            <a:endParaRPr lang="fr-FR" dirty="0"/>
           </a:p>
         </p:txBody>
       </p:sp>
@@ -1209,38 +1202,37 @@
           <a:p>
             <a:pPr lvl="0"/>
             <a:r>
-              <a:rPr lang="fr-FR" dirty="0" smtClean="0"/>
+              <a:rPr lang="fr-FR" dirty="0"/>
               <a:t>Cliquez pour modifier les styles du texte du masque</a:t>
             </a:r>
           </a:p>
           <a:p>
             <a:pPr lvl="1"/>
             <a:r>
-              <a:rPr lang="fr-FR" dirty="0" smtClean="0"/>
+              <a:rPr lang="fr-FR" dirty="0"/>
               <a:t>Deuxième niveau</a:t>
             </a:r>
           </a:p>
           <a:p>
             <a:pPr lvl="2"/>
             <a:r>
-              <a:rPr lang="fr-FR" dirty="0" smtClean="0"/>
+              <a:rPr lang="fr-FR" dirty="0"/>
               <a:t>Troisième niveau</a:t>
             </a:r>
           </a:p>
           <a:p>
             <a:pPr lvl="3"/>
             <a:r>
-              <a:rPr lang="fr-FR" dirty="0" smtClean="0"/>
+              <a:rPr lang="fr-FR" dirty="0"/>
               <a:t>Quatrième niveau</a:t>
             </a:r>
           </a:p>
           <a:p>
             <a:pPr lvl="4"/>
             <a:r>
-              <a:rPr lang="fr-FR" dirty="0" smtClean="0"/>
+              <a:rPr lang="fr-FR" dirty="0"/>
               <a:t>Cinquième niveau</a:t>
             </a:r>
-            <a:endParaRPr lang="fr-FR" dirty="0"/>
           </a:p>
         </p:txBody>
       </p:sp>
@@ -1290,10 +1282,9 @@
           <a:lstStyle/>
           <a:p>
             <a:r>
-              <a:rPr lang="fr-FR" smtClean="0"/>
+              <a:rPr lang="fr-FR"/>
               <a:t>Cliquez pour modifier le style du titre</a:t>
             </a:r>
-            <a:endParaRPr lang="fr-FR"/>
           </a:p>
         </p:txBody>
       </p:sp>
@@ -1347,38 +1338,37 @@
           <a:p>
             <a:pPr lvl="0"/>
             <a:r>
-              <a:rPr lang="fr-FR" smtClean="0"/>
+              <a:rPr lang="fr-FR"/>
               <a:t>Cliquez pour modifier les styles du texte du masque</a:t>
             </a:r>
           </a:p>
           <a:p>
             <a:pPr lvl="1"/>
             <a:r>
-              <a:rPr lang="fr-FR" smtClean="0"/>
+              <a:rPr lang="fr-FR"/>
               <a:t>Deuxième niveau</a:t>
             </a:r>
           </a:p>
           <a:p>
             <a:pPr lvl="2"/>
             <a:r>
-              <a:rPr lang="fr-FR" smtClean="0"/>
+              <a:rPr lang="fr-FR"/>
               <a:t>Troisième niveau</a:t>
             </a:r>
           </a:p>
           <a:p>
             <a:pPr lvl="3"/>
             <a:r>
-              <a:rPr lang="fr-FR" smtClean="0"/>
+              <a:rPr lang="fr-FR"/>
               <a:t>Quatrième niveau</a:t>
             </a:r>
           </a:p>
           <a:p>
             <a:pPr lvl="4"/>
             <a:r>
-              <a:rPr lang="fr-FR" smtClean="0"/>
+              <a:rPr lang="fr-FR"/>
               <a:t>Cinquième niveau</a:t>
             </a:r>
-            <a:endParaRPr lang="fr-FR"/>
           </a:p>
         </p:txBody>
       </p:sp>
@@ -1432,38 +1422,37 @@
           <a:p>
             <a:pPr lvl="0"/>
             <a:r>
-              <a:rPr lang="fr-FR" smtClean="0"/>
+              <a:rPr lang="fr-FR"/>
               <a:t>Cliquez pour modifier les styles du texte du masque</a:t>
             </a:r>
           </a:p>
           <a:p>
             <a:pPr lvl="1"/>
             <a:r>
-              <a:rPr lang="fr-FR" smtClean="0"/>
+              <a:rPr lang="fr-FR"/>
               <a:t>Deuxième niveau</a:t>
             </a:r>
           </a:p>
           <a:p>
             <a:pPr lvl="2"/>
             <a:r>
-              <a:rPr lang="fr-FR" smtClean="0"/>
+              <a:rPr lang="fr-FR"/>
               <a:t>Troisième niveau</a:t>
             </a:r>
           </a:p>
           <a:p>
             <a:pPr lvl="3"/>
             <a:r>
-              <a:rPr lang="fr-FR" smtClean="0"/>
+              <a:rPr lang="fr-FR"/>
               <a:t>Quatrième niveau</a:t>
             </a:r>
           </a:p>
           <a:p>
             <a:pPr lvl="4"/>
             <a:r>
-              <a:rPr lang="fr-FR" smtClean="0"/>
+              <a:rPr lang="fr-FR"/>
               <a:t>Cinquième niveau</a:t>
             </a:r>
-            <a:endParaRPr lang="fr-FR"/>
           </a:p>
         </p:txBody>
       </p:sp>
@@ -1522,10 +1511,9 @@
           </a:lstStyle>
           <a:p>
             <a:r>
-              <a:rPr lang="fr-FR" smtClean="0"/>
+              <a:rPr lang="fr-FR"/>
               <a:t>Cliquez pour modifier le style du titre</a:t>
             </a:r>
-            <a:endParaRPr lang="fr-FR"/>
           </a:p>
         </p:txBody>
       </p:sp>
@@ -1588,7 +1576,7 @@
           <a:p>
             <a:pPr lvl="0"/>
             <a:r>
-              <a:rPr lang="fr-FR" smtClean="0"/>
+              <a:rPr lang="fr-FR"/>
               <a:t>Cliquez pour modifier les styles du texte du masque</a:t>
             </a:r>
           </a:p>
@@ -1644,38 +1632,37 @@
           <a:p>
             <a:pPr lvl="0"/>
             <a:r>
-              <a:rPr lang="fr-FR" smtClean="0"/>
+              <a:rPr lang="fr-FR"/>
               <a:t>Cliquez pour modifier les styles du texte du masque</a:t>
             </a:r>
           </a:p>
           <a:p>
             <a:pPr lvl="1"/>
             <a:r>
-              <a:rPr lang="fr-FR" smtClean="0"/>
+              <a:rPr lang="fr-FR"/>
               <a:t>Deuxième niveau</a:t>
             </a:r>
           </a:p>
           <a:p>
             <a:pPr lvl="2"/>
             <a:r>
-              <a:rPr lang="fr-FR" smtClean="0"/>
+              <a:rPr lang="fr-FR"/>
               <a:t>Troisième niveau</a:t>
             </a:r>
           </a:p>
           <a:p>
             <a:pPr lvl="3"/>
             <a:r>
-              <a:rPr lang="fr-FR" smtClean="0"/>
+              <a:rPr lang="fr-FR"/>
               <a:t>Quatrième niveau</a:t>
             </a:r>
           </a:p>
           <a:p>
             <a:pPr lvl="4"/>
             <a:r>
-              <a:rPr lang="fr-FR" smtClean="0"/>
+              <a:rPr lang="fr-FR"/>
               <a:t>Cinquième niveau</a:t>
             </a:r>
-            <a:endParaRPr lang="fr-FR"/>
           </a:p>
         </p:txBody>
       </p:sp>
@@ -1738,7 +1725,7 @@
           <a:p>
             <a:pPr lvl="0"/>
             <a:r>
-              <a:rPr lang="fr-FR" smtClean="0"/>
+              <a:rPr lang="fr-FR"/>
               <a:t>Cliquez pour modifier les styles du texte du masque</a:t>
             </a:r>
           </a:p>
@@ -1794,38 +1781,37 @@
           <a:p>
             <a:pPr lvl="0"/>
             <a:r>
-              <a:rPr lang="fr-FR" smtClean="0"/>
+              <a:rPr lang="fr-FR"/>
               <a:t>Cliquez pour modifier les styles du texte du masque</a:t>
             </a:r>
           </a:p>
           <a:p>
             <a:pPr lvl="1"/>
             <a:r>
-              <a:rPr lang="fr-FR" smtClean="0"/>
+              <a:rPr lang="fr-FR"/>
               <a:t>Deuxième niveau</a:t>
             </a:r>
           </a:p>
           <a:p>
             <a:pPr lvl="2"/>
             <a:r>
-              <a:rPr lang="fr-FR" smtClean="0"/>
+              <a:rPr lang="fr-FR"/>
               <a:t>Troisième niveau</a:t>
             </a:r>
           </a:p>
           <a:p>
             <a:pPr lvl="3"/>
             <a:r>
-              <a:rPr lang="fr-FR" smtClean="0"/>
+              <a:rPr lang="fr-FR"/>
               <a:t>Quatrième niveau</a:t>
             </a:r>
           </a:p>
           <a:p>
             <a:pPr lvl="4"/>
             <a:r>
-              <a:rPr lang="fr-FR" smtClean="0"/>
+              <a:rPr lang="fr-FR"/>
               <a:t>Cinquième niveau</a:t>
             </a:r>
-            <a:endParaRPr lang="fr-FR"/>
           </a:p>
         </p:txBody>
       </p:sp>
@@ -1875,10 +1861,9 @@
           <a:lstStyle/>
           <a:p>
             <a:r>
-              <a:rPr lang="fr-FR" smtClean="0"/>
+              <a:rPr lang="fr-FR"/>
               <a:t>Cliquez pour modifier le style du titre</a:t>
             </a:r>
-            <a:endParaRPr lang="fr-FR"/>
           </a:p>
         </p:txBody>
       </p:sp>
@@ -1967,10 +1952,9 @@
           </a:lstStyle>
           <a:p>
             <a:r>
-              <a:rPr lang="fr-FR" smtClean="0"/>
+              <a:rPr lang="fr-FR"/>
               <a:t>Cliquez pour modifier le style du titre</a:t>
             </a:r>
-            <a:endParaRPr lang="fr-FR"/>
           </a:p>
         </p:txBody>
       </p:sp>
@@ -2024,38 +2008,37 @@
           <a:p>
             <a:pPr lvl="0"/>
             <a:r>
-              <a:rPr lang="fr-FR" smtClean="0"/>
+              <a:rPr lang="fr-FR"/>
               <a:t>Cliquez pour modifier les styles du texte du masque</a:t>
             </a:r>
           </a:p>
           <a:p>
             <a:pPr lvl="1"/>
             <a:r>
-              <a:rPr lang="fr-FR" smtClean="0"/>
+              <a:rPr lang="fr-FR"/>
               <a:t>Deuxième niveau</a:t>
             </a:r>
           </a:p>
           <a:p>
             <a:pPr lvl="2"/>
             <a:r>
-              <a:rPr lang="fr-FR" smtClean="0"/>
+              <a:rPr lang="fr-FR"/>
               <a:t>Troisième niveau</a:t>
             </a:r>
           </a:p>
           <a:p>
             <a:pPr lvl="3"/>
             <a:r>
-              <a:rPr lang="fr-FR" smtClean="0"/>
+              <a:rPr lang="fr-FR"/>
               <a:t>Quatrième niveau</a:t>
             </a:r>
           </a:p>
           <a:p>
             <a:pPr lvl="4"/>
             <a:r>
-              <a:rPr lang="fr-FR" smtClean="0"/>
+              <a:rPr lang="fr-FR"/>
               <a:t>Cinquième niveau</a:t>
             </a:r>
-            <a:endParaRPr lang="fr-FR"/>
           </a:p>
         </p:txBody>
       </p:sp>
@@ -2118,7 +2101,7 @@
           <a:p>
             <a:pPr lvl="0"/>
             <a:r>
-              <a:rPr lang="fr-FR" smtClean="0"/>
+              <a:rPr lang="fr-FR"/>
               <a:t>Cliquez pour modifier les styles du texte du masque</a:t>
             </a:r>
           </a:p>
@@ -2179,10 +2162,9 @@
           </a:lstStyle>
           <a:p>
             <a:r>
-              <a:rPr lang="fr-FR" smtClean="0"/>
+              <a:rPr lang="fr-FR"/>
               <a:t>Cliquez pour modifier le style du titre</a:t>
             </a:r>
-            <a:endParaRPr lang="fr-FR"/>
           </a:p>
         </p:txBody>
       </p:sp>
@@ -2244,7 +2226,7 @@
           </a:lstStyle>
           <a:p>
             <a:pPr lvl="0"/>
-            <a:endParaRPr lang="fr-FR" noProof="0" smtClean="0"/>
+            <a:endParaRPr lang="fr-FR" noProof="0"/>
           </a:p>
         </p:txBody>
       </p:sp>
@@ -2307,7 +2289,7 @@
           <a:p>
             <a:pPr lvl="0"/>
             <a:r>
-              <a:rPr lang="fr-FR" smtClean="0"/>
+              <a:rPr lang="fr-FR"/>
               <a:t>Cliquez pour modifier les styles du texte du masque</a:t>
             </a:r>
           </a:p>
@@ -2359,10 +2341,9 @@
           <a:lstStyle/>
           <a:p>
             <a:r>
-              <a:rPr lang="fr-FR" smtClean="0"/>
+              <a:rPr lang="fr-FR"/>
               <a:t>Cliquez pour modifier le style du titre</a:t>
             </a:r>
-            <a:endParaRPr lang="fr-FR"/>
           </a:p>
         </p:txBody>
       </p:sp>
@@ -2383,38 +2364,37 @@
           <a:p>
             <a:pPr lvl="0"/>
             <a:r>
-              <a:rPr lang="fr-FR" smtClean="0"/>
+              <a:rPr lang="fr-FR"/>
               <a:t>Cliquez pour modifier les styles du texte du masque</a:t>
             </a:r>
           </a:p>
           <a:p>
             <a:pPr lvl="1"/>
             <a:r>
-              <a:rPr lang="fr-FR" smtClean="0"/>
+              <a:rPr lang="fr-FR"/>
               <a:t>Deuxième niveau</a:t>
             </a:r>
           </a:p>
           <a:p>
             <a:pPr lvl="2"/>
             <a:r>
-              <a:rPr lang="fr-FR" smtClean="0"/>
+              <a:rPr lang="fr-FR"/>
               <a:t>Troisième niveau</a:t>
             </a:r>
           </a:p>
           <a:p>
             <a:pPr lvl="3"/>
             <a:r>
-              <a:rPr lang="fr-FR" smtClean="0"/>
+              <a:rPr lang="fr-FR"/>
               <a:t>Quatrième niveau</a:t>
             </a:r>
           </a:p>
           <a:p>
             <a:pPr lvl="4"/>
             <a:r>
-              <a:rPr lang="fr-FR" smtClean="0"/>
+              <a:rPr lang="fr-FR"/>
               <a:t>Cinquième niveau</a:t>
             </a:r>
-            <a:endParaRPr lang="fr-FR"/>
           </a:p>
         </p:txBody>
       </p:sp>
@@ -2595,7 +2575,7 @@
             <a:pPr eaLnBrk="1" hangingPunct="1">
               <a:defRPr/>
             </a:pPr>
-            <a:endParaRPr lang="fr-FR" altLang="fr-FR" smtClean="0"/>
+            <a:endParaRPr lang="fr-FR" altLang="fr-FR"/>
           </a:p>
         </p:txBody>
       </p:sp>
@@ -2749,7 +2729,7 @@
               <a:defRPr/>
             </a:pPr>
             <a:r>
-              <a:rPr lang="fr-FR" sz="1200" dirty="0" smtClean="0"/>
+              <a:rPr lang="fr-FR" sz="1200" dirty="0"/>
               <a:t>Page </a:t>
             </a:r>
             <a:fld id="{E218E9B1-FD08-4C80-902E-210BA2967D0D}" type="slidenum">
@@ -2762,7 +2742,7 @@
               </a:pPr>
               <a:t>‹N°›</a:t>
             </a:fld>
-            <a:endParaRPr lang="fr-FR" dirty="0" smtClean="0">
+            <a:endParaRPr lang="fr-FR" dirty="0">
               <a:latin typeface="Times New Roman" pitchFamily="18" charset="0"/>
             </a:endParaRPr>
           </a:p>
@@ -2918,10 +2898,10 @@
               <a:defRPr/>
             </a:pPr>
             <a:r>
-              <a:rPr lang="fr-FR" sz="1600" dirty="0" smtClean="0"/>
+              <a:rPr lang="fr-FR" sz="1600" dirty="0"/>
               <a:t>Python</a:t>
             </a:r>
-            <a:endParaRPr lang="fr-FR" dirty="0" smtClean="0">
+            <a:endParaRPr lang="fr-FR" dirty="0">
               <a:latin typeface="Times New Roman" pitchFamily="18" charset="0"/>
             </a:endParaRPr>
           </a:p>
@@ -2979,7 +2959,7 @@
           <a:p>
             <a:pPr lvl="0"/>
             <a:r>
-              <a:rPr lang="fr-FR" altLang="fr-FR" smtClean="0"/>
+              <a:rPr lang="fr-FR" altLang="fr-FR"/>
               <a:t>Cliquez pour modifier le style du titre du masque</a:t>
             </a:r>
           </a:p>
@@ -3037,35 +3017,35 @@
           <a:p>
             <a:pPr lvl="0"/>
             <a:r>
-              <a:rPr lang="fr-FR" altLang="fr-FR" smtClean="0"/>
+              <a:rPr lang="fr-FR" altLang="fr-FR"/>
               <a:t>Cliquez pour modifier les styles du texte du masque</a:t>
             </a:r>
           </a:p>
           <a:p>
             <a:pPr lvl="1"/>
             <a:r>
-              <a:rPr lang="fr-FR" altLang="fr-FR" smtClean="0"/>
+              <a:rPr lang="fr-FR" altLang="fr-FR"/>
               <a:t>Deuxième niveau</a:t>
             </a:r>
           </a:p>
           <a:p>
             <a:pPr lvl="2"/>
             <a:r>
-              <a:rPr lang="fr-FR" altLang="fr-FR" smtClean="0"/>
+              <a:rPr lang="fr-FR" altLang="fr-FR"/>
               <a:t>Troisième niveau</a:t>
             </a:r>
           </a:p>
           <a:p>
             <a:pPr lvl="3"/>
             <a:r>
-              <a:rPr lang="fr-FR" altLang="fr-FR" smtClean="0"/>
+              <a:rPr lang="fr-FR" altLang="fr-FR"/>
               <a:t>Quatrième niveau</a:t>
             </a:r>
           </a:p>
           <a:p>
             <a:pPr lvl="4"/>
             <a:r>
-              <a:rPr lang="fr-FR" altLang="fr-FR" smtClean="0"/>
+              <a:rPr lang="fr-FR" altLang="fr-FR"/>
               <a:t>Cinquième niveau</a:t>
             </a:r>
           </a:p>
@@ -3221,10 +3201,10 @@
               <a:defRPr/>
             </a:pPr>
             <a:r>
-              <a:rPr lang="fr-FR" sz="1200" smtClean="0"/>
+              <a:rPr lang="fr-FR" sz="1200"/>
               <a:t>© Cyril Vincent Conseil</a:t>
             </a:r>
-            <a:endParaRPr lang="fr-FR" smtClean="0">
+            <a:endParaRPr lang="fr-FR">
               <a:latin typeface="Times New Roman" pitchFamily="18" charset="0"/>
             </a:endParaRPr>
           </a:p>
@@ -3706,18 +3686,18 @@
           <a:p>
             <a:pPr eaLnBrk="1" hangingPunct="1"/>
             <a:r>
-              <a:rPr lang="fr-FR" altLang="fr-FR" smtClean="0"/>
+              <a:rPr lang="fr-FR" altLang="fr-FR"/>
               <a:t>Chapitre 15</a:t>
             </a:r>
-            <a:endParaRPr lang="fr-FR" altLang="fr-FR" dirty="0" smtClean="0"/>
+            <a:endParaRPr lang="fr-FR" altLang="fr-FR" dirty="0"/>
           </a:p>
           <a:p>
             <a:pPr eaLnBrk="1" hangingPunct="1"/>
             <a:r>
-              <a:rPr lang="fr-FR" altLang="fr-FR" dirty="0" err="1" smtClean="0"/>
+              <a:rPr lang="fr-FR" altLang="fr-FR" dirty="0" err="1"/>
               <a:t>Reflexion</a:t>
             </a:r>
-            <a:endParaRPr lang="fr-FR" altLang="fr-FR" dirty="0" smtClean="0"/>
+            <a:endParaRPr lang="fr-FR" altLang="fr-FR" dirty="0"/>
           </a:p>
         </p:txBody>
       </p:sp>
@@ -3767,13 +3747,6 @@
   <p:clrMapOvr>
     <a:masterClrMapping/>
   </p:clrMapOvr>
-  <p:timing>
-    <p:tnLst>
-      <p:par>
-        <p:cTn id="1" dur="indefinite" restart="never" nodeType="tmRoot"/>
-      </p:par>
-    </p:tnLst>
-  </p:timing>
 </p:sld>
 </file>
 
@@ -3810,18 +3783,17 @@
           <a:lstStyle/>
           <a:p>
             <a:r>
-              <a:rPr lang="fr-FR" dirty="0" smtClean="0"/>
+              <a:rPr lang="fr-FR" dirty="0"/>
               <a:t>__</a:t>
             </a:r>
             <a:r>
-              <a:rPr lang="fr-FR" dirty="0" err="1" smtClean="0"/>
-              <a:t>setattr</a:t>
-            </a:r>
-            <a:r>
-              <a:rPr lang="fr-FR" dirty="0" smtClean="0"/>
+              <a:rPr lang="fr-FR" dirty="0" err="1"/>
+              <a:t>dict</a:t>
+            </a:r>
+            <a:r>
+              <a:rPr lang="fr-FR" dirty="0"/>
               <a:t>__</a:t>
             </a:r>
-            <a:endParaRPr lang="fr-FR" dirty="0"/>
           </a:p>
         </p:txBody>
       </p:sp>
@@ -3841,54 +3813,124 @@
           <a:lstStyle/>
           <a:p>
             <a:r>
-              <a:rPr lang="fr-FR" dirty="0" smtClean="0"/>
-              <a:t>C’est la méthode qui est appelée lorsque Python accède à un attribut en écriture</a:t>
-            </a:r>
+              <a:rPr lang="fr-FR" dirty="0"/>
+              <a:t>Une classe est en fait un dictionnaire</a:t>
+            </a:r>
+          </a:p>
+          <a:p>
+            <a:r>
+              <a:rPr lang="fr-FR" dirty="0"/>
+              <a:t>self.__</a:t>
+            </a:r>
+            <a:r>
+              <a:rPr lang="fr-FR" dirty="0" err="1"/>
+              <a:t>dict</a:t>
+            </a:r>
+            <a:r>
+              <a:rPr lang="fr-FR" dirty="0"/>
+              <a:t>__[</a:t>
+            </a:r>
+            <a:r>
+              <a:rPr lang="fr-FR" dirty="0" err="1"/>
+              <a:t>name</a:t>
+            </a:r>
+            <a:r>
+              <a:rPr lang="fr-FR" dirty="0"/>
+              <a:t>] = value</a:t>
+            </a:r>
+          </a:p>
+          <a:p>
+            <a:pPr lvl="1"/>
+            <a:r>
+              <a:rPr lang="fr-FR" dirty="0"/>
+              <a:t>Est équivalent à</a:t>
+            </a:r>
+          </a:p>
+          <a:p>
+            <a:pPr lvl="1"/>
+            <a:r>
+              <a:rPr lang="en-US" dirty="0"/>
+              <a:t>object.__</a:t>
+            </a:r>
+            <a:r>
+              <a:rPr lang="en-US" dirty="0" err="1"/>
+              <a:t>setattr</a:t>
+            </a:r>
+            <a:r>
+              <a:rPr lang="en-US" dirty="0"/>
+              <a:t>__(self, name, value)</a:t>
+            </a:r>
+          </a:p>
+          <a:p>
+            <a:r>
+              <a:rPr lang="en-US" dirty="0"/>
+              <a:t>Les supers classes </a:t>
+            </a:r>
+            <a:r>
+              <a:rPr lang="en-US" dirty="0" err="1"/>
+              <a:t>sont</a:t>
+            </a:r>
+            <a:r>
+              <a:rPr lang="en-US" dirty="0"/>
+              <a:t> </a:t>
+            </a:r>
+            <a:r>
+              <a:rPr lang="en-US" dirty="0" err="1"/>
+              <a:t>stockées</a:t>
+            </a:r>
+            <a:r>
+              <a:rPr lang="en-US" dirty="0"/>
+              <a:t> </a:t>
+            </a:r>
+            <a:r>
+              <a:rPr lang="en-US" dirty="0" err="1"/>
+              <a:t>dans</a:t>
+            </a:r>
+            <a:r>
+              <a:rPr lang="en-US" dirty="0"/>
+              <a:t> </a:t>
+            </a:r>
+            <a:r>
+              <a:rPr lang="en-US" dirty="0" err="1"/>
+              <a:t>une</a:t>
+            </a:r>
+            <a:r>
+              <a:rPr lang="en-US" dirty="0"/>
+              <a:t> </a:t>
+            </a:r>
+            <a:r>
+              <a:rPr lang="en-US" dirty="0" err="1"/>
+              <a:t>liste</a:t>
+            </a:r>
+            <a:r>
+              <a:rPr lang="en-US" dirty="0"/>
+              <a:t> </a:t>
+            </a:r>
+            <a:r>
+              <a:rPr lang="en-US" dirty="0" err="1"/>
+              <a:t>nommée</a:t>
+            </a:r>
+            <a:r>
+              <a:rPr lang="en-US" dirty="0"/>
+              <a:t> __bases__</a:t>
+            </a:r>
+            <a:endParaRPr lang="fr-FR" dirty="0"/>
+          </a:p>
+          <a:p>
             <a:endParaRPr lang="fr-FR" dirty="0"/>
           </a:p>
         </p:txBody>
       </p:sp>
-      <p:pic>
-        <p:nvPicPr>
-          <p:cNvPr id="5" name="Image 4"/>
-          <p:cNvPicPr>
-            <a:picLocks noChangeAspect="1"/>
-          </p:cNvPicPr>
-          <p:nvPr/>
-        </p:nvPicPr>
-        <p:blipFill>
-          <a:blip r:embed="rId2"/>
-          <a:stretch>
-            <a:fillRect/>
-          </a:stretch>
-        </p:blipFill>
-        <p:spPr>
-          <a:xfrm>
-            <a:off x="1547664" y="3068960"/>
-            <a:ext cx="6434878" cy="1292721"/>
-          </a:xfrm>
-          <a:prstGeom prst="rect">
-            <a:avLst/>
-          </a:prstGeom>
-        </p:spPr>
-      </p:pic>
     </p:spTree>
     <p:extLst>
       <p:ext uri="{BB962C8B-B14F-4D97-AF65-F5344CB8AC3E}">
-        <p14:creationId xmlns:p14="http://schemas.microsoft.com/office/powerpoint/2010/main" val="3326776791"/>
+        <p14:creationId xmlns:p14="http://schemas.microsoft.com/office/powerpoint/2010/main" val="3887820562"/>
       </p:ext>
     </p:extLst>
   </p:cSld>
   <p:clrMapOvr>
     <a:masterClrMapping/>
   </p:clrMapOvr>
-  <p:timing>
-    <p:tnLst>
-      <p:par>
-        <p:cTn id="1" dur="indefinite" restart="never" nodeType="tmRoot"/>
-      </p:par>
-    </p:tnLst>
-  </p:timing>
 </p:sld>
 </file>
 
@@ -3925,16 +3967,12 @@
           <a:lstStyle/>
           <a:p>
             <a:r>
-              <a:rPr lang="fr-FR" dirty="0" smtClean="0"/>
-              <a:t>__</a:t>
-            </a:r>
-            <a:r>
-              <a:rPr lang="fr-FR" dirty="0" err="1" smtClean="0"/>
-              <a:t>delattr</a:t>
-            </a:r>
-            <a:r>
-              <a:rPr lang="fr-FR" dirty="0" smtClean="0"/>
-              <a:t>__</a:t>
+              <a:rPr lang="fr-FR" dirty="0"/>
+              <a:t>In et </a:t>
+            </a:r>
+            <a:r>
+              <a:rPr lang="fr-FR" dirty="0" err="1"/>
+              <a:t>contains</a:t>
             </a:r>
             <a:endParaRPr lang="fr-FR" dirty="0"/>
           </a:p>
@@ -3956,317 +3994,6 @@
           <a:lstStyle/>
           <a:p>
             <a:r>
-              <a:rPr lang="fr-FR" dirty="0" smtClean="0"/>
-              <a:t>Méthode appelée pour effacer un attribut</a:t>
-            </a:r>
-            <a:endParaRPr lang="fr-FR" dirty="0"/>
-          </a:p>
-        </p:txBody>
-      </p:sp>
-      <p:pic>
-        <p:nvPicPr>
-          <p:cNvPr id="4" name="Image 3"/>
-          <p:cNvPicPr>
-            <a:picLocks noChangeAspect="1"/>
-          </p:cNvPicPr>
-          <p:nvPr/>
-        </p:nvPicPr>
-        <p:blipFill>
-          <a:blip r:embed="rId2"/>
-          <a:stretch>
-            <a:fillRect/>
-          </a:stretch>
-        </p:blipFill>
-        <p:spPr>
-          <a:xfrm>
-            <a:off x="611560" y="2060848"/>
-            <a:ext cx="7592844" cy="936104"/>
-          </a:xfrm>
-          <a:prstGeom prst="rect">
-            <a:avLst/>
-          </a:prstGeom>
-        </p:spPr>
-      </p:pic>
-    </p:spTree>
-    <p:extLst>
-      <p:ext uri="{BB962C8B-B14F-4D97-AF65-F5344CB8AC3E}">
-        <p14:creationId xmlns:p14="http://schemas.microsoft.com/office/powerpoint/2010/main" val="434229379"/>
-      </p:ext>
-    </p:extLst>
-  </p:cSld>
-  <p:clrMapOvr>
-    <a:masterClrMapping/>
-  </p:clrMapOvr>
-  <p:timing>
-    <p:tnLst>
-      <p:par>
-        <p:cTn id="1" dur="indefinite" restart="never" nodeType="tmRoot"/>
-      </p:par>
-    </p:tnLst>
-  </p:timing>
-</p:sld>
-</file>
-
-<file path=ppt/slides/slide12.xml><?xml version="1.0" encoding="utf-8"?>
-<p:sld xmlns:a="http://schemas.openxmlformats.org/drawingml/2006/main" xmlns:r="http://schemas.openxmlformats.org/officeDocument/2006/relationships" xmlns:p="http://schemas.openxmlformats.org/presentationml/2006/main">
-  <p:cSld>
-    <p:spTree>
-      <p:nvGrpSpPr>
-        <p:cNvPr id="1" name=""/>
-        <p:cNvGrpSpPr/>
-        <p:nvPr/>
-      </p:nvGrpSpPr>
-      <p:grpSpPr>
-        <a:xfrm>
-          <a:off x="0" y="0"/>
-          <a:ext cx="0" cy="0"/>
-          <a:chOff x="0" y="0"/>
-          <a:chExt cx="0" cy="0"/>
-        </a:xfrm>
-      </p:grpSpPr>
-      <p:sp>
-        <p:nvSpPr>
-          <p:cNvPr id="2" name="Titre 1"/>
-          <p:cNvSpPr>
-            <a:spLocks noGrp="1"/>
-          </p:cNvSpPr>
-          <p:nvPr>
-            <p:ph type="title"/>
-          </p:nvPr>
-        </p:nvSpPr>
-        <p:spPr/>
-        <p:txBody>
-          <a:bodyPr/>
-          <a:lstStyle/>
-          <a:p>
-            <a:r>
-              <a:rPr lang="fr-FR" dirty="0" smtClean="0"/>
-              <a:t>__</a:t>
-            </a:r>
-            <a:r>
-              <a:rPr lang="fr-FR" dirty="0" err="1" smtClean="0"/>
-              <a:t>dict</a:t>
-            </a:r>
-            <a:r>
-              <a:rPr lang="fr-FR" dirty="0" smtClean="0"/>
-              <a:t>__</a:t>
-            </a:r>
-            <a:endParaRPr lang="fr-FR" dirty="0"/>
-          </a:p>
-        </p:txBody>
-      </p:sp>
-      <p:sp>
-        <p:nvSpPr>
-          <p:cNvPr id="3" name="Espace réservé du contenu 2"/>
-          <p:cNvSpPr>
-            <a:spLocks noGrp="1"/>
-          </p:cNvSpPr>
-          <p:nvPr>
-            <p:ph idx="1"/>
-          </p:nvPr>
-        </p:nvSpPr>
-        <p:spPr/>
-        <p:txBody>
-          <a:bodyPr/>
-          <a:lstStyle/>
-          <a:p>
-            <a:r>
-              <a:rPr lang="fr-FR" dirty="0" smtClean="0"/>
-              <a:t>Une classe est en fait un dictionnaire</a:t>
-            </a:r>
-          </a:p>
-          <a:p>
-            <a:r>
-              <a:rPr lang="fr-FR" dirty="0"/>
-              <a:t>self.__</a:t>
-            </a:r>
-            <a:r>
-              <a:rPr lang="fr-FR" dirty="0" err="1"/>
-              <a:t>dict</a:t>
-            </a:r>
-            <a:r>
-              <a:rPr lang="fr-FR" dirty="0"/>
-              <a:t>__[</a:t>
-            </a:r>
-            <a:r>
-              <a:rPr lang="fr-FR" dirty="0" err="1"/>
-              <a:t>name</a:t>
-            </a:r>
-            <a:r>
-              <a:rPr lang="fr-FR" dirty="0"/>
-              <a:t>] = </a:t>
-            </a:r>
-            <a:r>
-              <a:rPr lang="fr-FR" dirty="0" smtClean="0"/>
-              <a:t>value</a:t>
-            </a:r>
-          </a:p>
-          <a:p>
-            <a:pPr lvl="1"/>
-            <a:r>
-              <a:rPr lang="fr-FR" dirty="0" smtClean="0"/>
-              <a:t>Est équivalent à</a:t>
-            </a:r>
-          </a:p>
-          <a:p>
-            <a:pPr lvl="1"/>
-            <a:r>
-              <a:rPr lang="en-US" dirty="0"/>
-              <a:t>object.__</a:t>
-            </a:r>
-            <a:r>
-              <a:rPr lang="en-US" dirty="0" err="1"/>
-              <a:t>setattr</a:t>
-            </a:r>
-            <a:r>
-              <a:rPr lang="en-US" dirty="0"/>
-              <a:t>__(self, name, value</a:t>
-            </a:r>
-            <a:r>
-              <a:rPr lang="en-US" dirty="0" smtClean="0"/>
-              <a:t>)</a:t>
-            </a:r>
-          </a:p>
-          <a:p>
-            <a:r>
-              <a:rPr lang="en-US" dirty="0" smtClean="0"/>
-              <a:t>Les supers classes </a:t>
-            </a:r>
-            <a:r>
-              <a:rPr lang="en-US" dirty="0" err="1" smtClean="0"/>
-              <a:t>sont</a:t>
-            </a:r>
-            <a:r>
-              <a:rPr lang="en-US" dirty="0" smtClean="0"/>
-              <a:t> </a:t>
-            </a:r>
-            <a:r>
-              <a:rPr lang="en-US" dirty="0" err="1" smtClean="0"/>
-              <a:t>stockées</a:t>
-            </a:r>
-            <a:r>
-              <a:rPr lang="en-US" dirty="0" smtClean="0"/>
-              <a:t> </a:t>
-            </a:r>
-            <a:r>
-              <a:rPr lang="en-US" dirty="0" err="1" smtClean="0"/>
-              <a:t>dans</a:t>
-            </a:r>
-            <a:r>
-              <a:rPr lang="en-US" dirty="0" smtClean="0"/>
-              <a:t> </a:t>
-            </a:r>
-            <a:r>
-              <a:rPr lang="en-US" dirty="0" err="1" smtClean="0"/>
-              <a:t>une</a:t>
-            </a:r>
-            <a:r>
-              <a:rPr lang="en-US" dirty="0" smtClean="0"/>
-              <a:t> </a:t>
-            </a:r>
-            <a:r>
-              <a:rPr lang="en-US" dirty="0" err="1" smtClean="0"/>
-              <a:t>liste</a:t>
-            </a:r>
-            <a:r>
-              <a:rPr lang="en-US" dirty="0" smtClean="0"/>
-              <a:t> </a:t>
-            </a:r>
-            <a:r>
-              <a:rPr lang="en-US" dirty="0" err="1" smtClean="0"/>
-              <a:t>nommée</a:t>
-            </a:r>
-            <a:r>
-              <a:rPr lang="en-US" dirty="0" smtClean="0"/>
-              <a:t> __bases__</a:t>
-            </a:r>
-            <a:endParaRPr lang="fr-FR" dirty="0" smtClean="0"/>
-          </a:p>
-          <a:p>
-            <a:endParaRPr lang="fr-FR" dirty="0"/>
-          </a:p>
-        </p:txBody>
-      </p:sp>
-    </p:spTree>
-    <p:extLst>
-      <p:ext uri="{BB962C8B-B14F-4D97-AF65-F5344CB8AC3E}">
-        <p14:creationId xmlns:p14="http://schemas.microsoft.com/office/powerpoint/2010/main" val="3887820562"/>
-      </p:ext>
-    </p:extLst>
-  </p:cSld>
-  <p:clrMapOvr>
-    <a:masterClrMapping/>
-  </p:clrMapOvr>
-  <p:timing>
-    <p:tnLst>
-      <p:par>
-        <p:cTn id="1" dur="indefinite" restart="never" nodeType="tmRoot"/>
-      </p:par>
-    </p:tnLst>
-  </p:timing>
-</p:sld>
-</file>
-
-<file path=ppt/slides/slide13.xml><?xml version="1.0" encoding="utf-8"?>
-<p:sld xmlns:a="http://schemas.openxmlformats.org/drawingml/2006/main" xmlns:r="http://schemas.openxmlformats.org/officeDocument/2006/relationships" xmlns:p="http://schemas.openxmlformats.org/presentationml/2006/main">
-  <p:cSld>
-    <p:spTree>
-      <p:nvGrpSpPr>
-        <p:cNvPr id="1" name=""/>
-        <p:cNvGrpSpPr/>
-        <p:nvPr/>
-      </p:nvGrpSpPr>
-      <p:grpSpPr>
-        <a:xfrm>
-          <a:off x="0" y="0"/>
-          <a:ext cx="0" cy="0"/>
-          <a:chOff x="0" y="0"/>
-          <a:chExt cx="0" cy="0"/>
-        </a:xfrm>
-      </p:grpSpPr>
-      <p:sp>
-        <p:nvSpPr>
-          <p:cNvPr id="2" name="Titre 1"/>
-          <p:cNvSpPr>
-            <a:spLocks noGrp="1"/>
-          </p:cNvSpPr>
-          <p:nvPr>
-            <p:ph type="title"/>
-          </p:nvPr>
-        </p:nvSpPr>
-        <p:spPr/>
-        <p:txBody>
-          <a:bodyPr/>
-          <a:lstStyle/>
-          <a:p>
-            <a:r>
-              <a:rPr lang="fr-FR" dirty="0" smtClean="0"/>
-              <a:t>In et </a:t>
-            </a:r>
-            <a:r>
-              <a:rPr lang="fr-FR" dirty="0" err="1" smtClean="0"/>
-              <a:t>contains</a:t>
-            </a:r>
-            <a:endParaRPr lang="fr-FR" dirty="0"/>
-          </a:p>
-        </p:txBody>
-      </p:sp>
-      <p:sp>
-        <p:nvSpPr>
-          <p:cNvPr id="3" name="Espace réservé du contenu 2"/>
-          <p:cNvSpPr>
-            <a:spLocks noGrp="1"/>
-          </p:cNvSpPr>
-          <p:nvPr>
-            <p:ph idx="1"/>
-          </p:nvPr>
-        </p:nvSpPr>
-        <p:spPr/>
-        <p:txBody>
-          <a:bodyPr/>
-          <a:lstStyle/>
-          <a:p>
-            <a:r>
               <a:rPr lang="fr-FR" dirty="0"/>
               <a:t>Il existe une quatrième méthode, appelée __</a:t>
             </a:r>
@@ -4276,90 +4003,86 @@
             </a:r>
             <a:r>
               <a:rPr lang="fr-FR" dirty="0"/>
-              <a:t>__, qui est utilisée quand on souhaite savoir si un objet se trouve dans </a:t>
-            </a:r>
-            <a:r>
-              <a:rPr lang="fr-FR" dirty="0" smtClean="0"/>
-              <a:t>une classe</a:t>
+              <a:t>__, qui est utilisée quand on souhaite savoir si un objet se trouve dans une classe</a:t>
             </a:r>
           </a:p>
           <a:p>
             <a:endParaRPr lang="fr-FR" dirty="0"/>
           </a:p>
           <a:p>
-            <a:endParaRPr lang="fr-FR" dirty="0" smtClean="0"/>
-          </a:p>
-          <a:p>
             <a:endParaRPr lang="fr-FR" dirty="0"/>
           </a:p>
           <a:p>
-            <a:r>
-              <a:rPr lang="fr-FR" dirty="0" smtClean="0"/>
+            <a:endParaRPr lang="fr-FR" dirty="0"/>
+          </a:p>
+          <a:p>
+            <a:r>
+              <a:rPr lang="fr-FR" dirty="0"/>
               <a:t>Nombre d’élément de la classe</a:t>
             </a:r>
           </a:p>
           <a:p>
             <a:pPr lvl="1"/>
             <a:r>
-              <a:rPr lang="fr-FR" dirty="0" smtClean="0"/>
+              <a:rPr lang="fr-FR" dirty="0"/>
               <a:t>Len()</a:t>
             </a:r>
           </a:p>
           <a:p>
             <a:pPr lvl="1"/>
             <a:r>
-              <a:rPr lang="fr-FR" dirty="0" smtClean="0"/>
+              <a:rPr lang="fr-FR" dirty="0"/>
               <a:t>Redéfinir __</a:t>
             </a:r>
             <a:r>
-              <a:rPr lang="fr-FR" dirty="0" err="1" smtClean="0"/>
+              <a:rPr lang="fr-FR" dirty="0" err="1"/>
               <a:t>len</a:t>
             </a:r>
             <a:r>
-              <a:rPr lang="fr-FR" dirty="0" smtClean="0"/>
+              <a:rPr lang="fr-FR" dirty="0"/>
               <a:t>__</a:t>
             </a:r>
           </a:p>
           <a:p>
             <a:pPr lvl="1"/>
             <a:r>
-              <a:rPr lang="fr-FR" dirty="0" smtClean="0"/>
+              <a:rPr lang="fr-FR" dirty="0"/>
               <a:t>Len(</a:t>
             </a:r>
             <a:r>
-              <a:rPr lang="fr-FR" dirty="0" err="1" smtClean="0"/>
+              <a:rPr lang="fr-FR" dirty="0" err="1"/>
               <a:t>object</a:t>
             </a:r>
             <a:r>
-              <a:rPr lang="fr-FR" dirty="0" smtClean="0"/>
+              <a:rPr lang="fr-FR" dirty="0"/>
               <a:t>) </a:t>
             </a:r>
             <a:r>
-              <a:rPr lang="fr-FR" dirty="0" smtClean="0">
+              <a:rPr lang="fr-FR" dirty="0">
                 <a:sym typeface="Wingdings" panose="05000000000000000000" pitchFamily="2" charset="2"/>
               </a:rPr>
               <a:t> </a:t>
             </a:r>
             <a:r>
-              <a:rPr lang="fr-FR" dirty="0" err="1" smtClean="0">
+              <a:rPr lang="fr-FR" dirty="0" err="1">
                 <a:sym typeface="Wingdings" panose="05000000000000000000" pitchFamily="2" charset="2"/>
               </a:rPr>
               <a:t>object</a:t>
             </a:r>
             <a:r>
-              <a:rPr lang="fr-FR" dirty="0" smtClean="0">
+              <a:rPr lang="fr-FR" dirty="0">
                 <a:sym typeface="Wingdings" panose="05000000000000000000" pitchFamily="2" charset="2"/>
               </a:rPr>
               <a:t>.__</a:t>
             </a:r>
             <a:r>
-              <a:rPr lang="fr-FR" dirty="0" err="1" smtClean="0">
+              <a:rPr lang="fr-FR" dirty="0" err="1">
                 <a:sym typeface="Wingdings" panose="05000000000000000000" pitchFamily="2" charset="2"/>
               </a:rPr>
               <a:t>len</a:t>
             </a:r>
             <a:r>
-              <a:rPr lang="fr-FR" dirty="0" smtClean="0">
+              <a:rPr lang="fr-FR" dirty="0">
                 <a:sym typeface="Wingdings" panose="05000000000000000000" pitchFamily="2" charset="2"/>
               </a:rPr>
               <a:t>__</a:t>
@@ -4402,17 +4125,10 @@
   <p:clrMapOvr>
     <a:masterClrMapping/>
   </p:clrMapOvr>
-  <p:timing>
-    <p:tnLst>
-      <p:par>
-        <p:cTn id="1" dur="indefinite" restart="never" nodeType="tmRoot"/>
-      </p:par>
-    </p:tnLst>
-  </p:timing>
 </p:sld>
 </file>
 
-<file path=ppt/slides/slide14.xml><?xml version="1.0" encoding="utf-8"?>
+<file path=ppt/slides/slide12.xml><?xml version="1.0" encoding="utf-8"?>
 <p:sld xmlns:a="http://schemas.openxmlformats.org/drawingml/2006/main" xmlns:r="http://schemas.openxmlformats.org/officeDocument/2006/relationships" xmlns:p="http://schemas.openxmlformats.org/presentationml/2006/main">
   <p:cSld>
     <p:spTree>
@@ -4445,10 +4161,9 @@
           <a:lstStyle/>
           <a:p>
             <a:r>
-              <a:rPr lang="fr-FR" dirty="0" smtClean="0"/>
+              <a:rPr lang="fr-FR" dirty="0"/>
               <a:t>Surcharge des opérateurs</a:t>
             </a:r>
-            <a:endParaRPr lang="fr-FR" dirty="0"/>
           </a:p>
         </p:txBody>
       </p:sp>
@@ -4473,48 +4188,39 @@
           <a:lstStyle/>
           <a:p>
             <a:r>
-              <a:rPr lang="fr-FR" sz="2000" dirty="0" smtClean="0"/>
-              <a:t>__</a:t>
-            </a:r>
-            <a:r>
-              <a:rPr lang="fr-FR" sz="2000" dirty="0" err="1" smtClean="0"/>
-              <a:t>add</a:t>
-            </a:r>
-            <a:r>
-              <a:rPr lang="fr-FR" sz="2000" dirty="0" smtClean="0"/>
-              <a:t>__ </a:t>
-            </a:r>
-            <a:r>
-              <a:rPr lang="fr-FR" sz="2000" dirty="0"/>
-              <a:t>: surcharge de l'opérateur </a:t>
-            </a:r>
-            <a:r>
-              <a:rPr lang="fr-FR" sz="2000" dirty="0" smtClean="0"/>
-              <a:t>+ </a:t>
-            </a:r>
-          </a:p>
-          <a:p>
-            <a:r>
-              <a:rPr lang="fr-FR" sz="2000" dirty="0" smtClean="0"/>
-              <a:t>__</a:t>
-            </a:r>
-            <a:r>
-              <a:rPr lang="fr-FR" sz="2000" dirty="0" err="1" smtClean="0"/>
-              <a:t>sub</a:t>
-            </a:r>
-            <a:r>
-              <a:rPr lang="fr-FR" sz="2000" dirty="0" smtClean="0"/>
-              <a:t>__ : surcharge de l'opérateur - </a:t>
-            </a:r>
-            <a:endParaRPr lang="fr-FR" sz="2000" dirty="0"/>
-          </a:p>
-          <a:p>
-            <a:r>
               <a:rPr lang="fr-FR" sz="2000" dirty="0"/>
               <a:t>__</a:t>
             </a:r>
             <a:r>
               <a:rPr lang="fr-FR" sz="2000" dirty="0" err="1"/>
+              <a:t>add</a:t>
+            </a:r>
+            <a:r>
+              <a:rPr lang="fr-FR" sz="2000" dirty="0"/>
+              <a:t>__ : surcharge de l'opérateur + </a:t>
+            </a:r>
+          </a:p>
+          <a:p>
+            <a:r>
+              <a:rPr lang="fr-FR" sz="2000" dirty="0"/>
+              <a:t>__</a:t>
+            </a:r>
+            <a:r>
+              <a:rPr lang="fr-FR" sz="2000" dirty="0" err="1"/>
+              <a:t>sub</a:t>
+            </a:r>
+            <a:r>
+              <a:rPr lang="fr-FR" sz="2000" dirty="0"/>
+              <a:t>__ : surcharge de l'opérateur - </a:t>
+            </a:r>
+          </a:p>
+          <a:p>
+            <a:r>
+              <a:rPr lang="fr-FR" sz="2000" dirty="0"/>
+              <a:t>__</a:t>
+            </a:r>
+            <a:r>
+              <a:rPr lang="fr-FR" sz="2000" dirty="0" err="1"/>
               <a:t>mul</a:t>
             </a:r>
             <a:r>
@@ -4538,48 +4244,32 @@
           </a:p>
           <a:p>
             <a:r>
-              <a:rPr lang="fr-FR" sz="2000" dirty="0" smtClean="0"/>
-              <a:t>__le__ </a:t>
-            </a:r>
-            <a:r>
               <a:rPr lang="fr-FR" sz="2000" dirty="0"/>
-              <a:t>: surcharge de </a:t>
+              <a:t>__le__ : surcharge de </a:t>
             </a:r>
             <a:r>
               <a:rPr lang="fr-FR" sz="2000"/>
-              <a:t>l'opérateur </a:t>
-            </a:r>
-            <a:r>
-              <a:rPr lang="fr-FR" sz="2000" smtClean="0"/>
-              <a:t>&lt;=</a:t>
+              <a:t>l'opérateur &lt;=</a:t>
             </a:r>
             <a:endParaRPr lang="fr-FR" sz="2000" dirty="0"/>
           </a:p>
           <a:p>
             <a:r>
-              <a:rPr lang="fr-FR" sz="2000" dirty="0" smtClean="0"/>
+              <a:rPr lang="fr-FR" sz="2000" dirty="0"/>
               <a:t>__</a:t>
             </a:r>
             <a:r>
-              <a:rPr lang="fr-FR" sz="2000" dirty="0" err="1" smtClean="0"/>
+              <a:rPr lang="fr-FR" sz="2000" dirty="0" err="1"/>
               <a:t>lt</a:t>
             </a:r>
             <a:r>
-              <a:rPr lang="fr-FR" sz="2000" dirty="0" smtClean="0"/>
-              <a:t>__ </a:t>
-            </a:r>
-            <a:r>
               <a:rPr lang="fr-FR" sz="2000" dirty="0"/>
-              <a:t>: surcharge de l'opérateur </a:t>
-            </a:r>
-            <a:r>
-              <a:rPr lang="fr-FR" sz="2000" dirty="0" smtClean="0"/>
-              <a:t>&lt;</a:t>
-            </a:r>
-          </a:p>
-          <a:p>
-            <a:r>
-              <a:rPr lang="fr-FR" sz="2000" dirty="0" smtClean="0"/>
+              <a:t>__ : surcharge de l'opérateur &lt;</a:t>
+            </a:r>
+          </a:p>
+          <a:p>
+            <a:r>
+              <a:rPr lang="fr-FR" sz="2000" dirty="0"/>
               <a:t>__</a:t>
             </a:r>
             <a:r>
@@ -4588,33 +4278,28 @@
             </a:r>
             <a:r>
               <a:rPr lang="fr-FR" sz="2000" dirty="0"/>
-              <a:t>__ : surcharge de l'opérateur ** (puissance) </a:t>
-            </a:r>
-            <a:r>
-              <a:rPr lang="fr-FR" sz="2000" dirty="0" smtClean="0"/>
-              <a:t>;</a:t>
-            </a:r>
-          </a:p>
-          <a:p>
-            <a:r>
-              <a:rPr lang="fr-FR" sz="2000" dirty="0" smtClean="0"/>
+              <a:t>__ : surcharge de l'opérateur ** (puissance) ;</a:t>
+            </a:r>
+          </a:p>
+          <a:p>
+            <a:r>
+              <a:rPr lang="fr-FR" sz="2000" dirty="0"/>
               <a:t>__</a:t>
             </a:r>
             <a:r>
-              <a:rPr lang="fr-FR" sz="2000" dirty="0" err="1" smtClean="0"/>
+              <a:rPr lang="fr-FR" sz="2000" dirty="0" err="1"/>
               <a:t>eq</a:t>
             </a:r>
             <a:r>
-              <a:rPr lang="fr-FR" sz="2000" dirty="0" smtClean="0"/>
+              <a:rPr lang="fr-FR" sz="2000" dirty="0"/>
               <a:t>__ : ==</a:t>
             </a:r>
           </a:p>
           <a:p>
             <a:r>
-              <a:rPr lang="fr-FR" sz="2000" dirty="0" smtClean="0"/>
+              <a:rPr lang="fr-FR" sz="2000" dirty="0"/>
               <a:t>__ne__ : !=</a:t>
             </a:r>
-            <a:endParaRPr lang="fr-FR" sz="2000" dirty="0"/>
           </a:p>
         </p:txBody>
       </p:sp>
@@ -4652,13 +4337,267 @@
   <p:clrMapOvr>
     <a:masterClrMapping/>
   </p:clrMapOvr>
-  <p:timing>
-    <p:tnLst>
-      <p:par>
-        <p:cTn id="1" dur="indefinite" restart="never" nodeType="tmRoot"/>
-      </p:par>
-    </p:tnLst>
-  </p:timing>
+</p:sld>
+</file>
+
+<file path=ppt/slides/slide13.xml><?xml version="1.0" encoding="utf-8"?>
+<p:sld xmlns:a="http://schemas.openxmlformats.org/drawingml/2006/main" xmlns:r="http://schemas.openxmlformats.org/officeDocument/2006/relationships" xmlns:p="http://schemas.openxmlformats.org/presentationml/2006/main">
+  <p:cSld>
+    <p:spTree>
+      <p:nvGrpSpPr>
+        <p:cNvPr id="1" name=""/>
+        <p:cNvGrpSpPr/>
+        <p:nvPr/>
+      </p:nvGrpSpPr>
+      <p:grpSpPr>
+        <a:xfrm>
+          <a:off x="0" y="0"/>
+          <a:ext cx="0" cy="0"/>
+          <a:chOff x="0" y="0"/>
+          <a:chExt cx="0" cy="0"/>
+        </a:xfrm>
+      </p:grpSpPr>
+      <p:sp>
+        <p:nvSpPr>
+          <p:cNvPr id="2" name="Titre 1"/>
+          <p:cNvSpPr>
+            <a:spLocks noGrp="1"/>
+          </p:cNvSpPr>
+          <p:nvPr>
+            <p:ph type="title"/>
+          </p:nvPr>
+        </p:nvSpPr>
+        <p:spPr/>
+        <p:txBody>
+          <a:bodyPr/>
+          <a:lstStyle/>
+          <a:p>
+            <a:r>
+              <a:rPr lang="fr-FR" dirty="0"/>
+              <a:t>Liste des attributs</a:t>
+            </a:r>
+          </a:p>
+        </p:txBody>
+      </p:sp>
+      <p:sp>
+        <p:nvSpPr>
+          <p:cNvPr id="3" name="Espace réservé du contenu 2"/>
+          <p:cNvSpPr>
+            <a:spLocks noGrp="1"/>
+          </p:cNvSpPr>
+          <p:nvPr>
+            <p:ph idx="1"/>
+          </p:nvPr>
+        </p:nvSpPr>
+        <p:spPr/>
+        <p:txBody>
+          <a:bodyPr/>
+          <a:lstStyle/>
+          <a:p>
+            <a:r>
+              <a:rPr lang="fr-FR" dirty="0"/>
+              <a:t>__</a:t>
+            </a:r>
+            <a:r>
+              <a:rPr lang="fr-FR" dirty="0" err="1"/>
+              <a:t>get_state</a:t>
+            </a:r>
+            <a:r>
+              <a:rPr lang="fr-FR" dirty="0"/>
+              <a:t>__(self)</a:t>
+            </a:r>
+          </a:p>
+          <a:p>
+            <a:pPr lvl="1"/>
+            <a:r>
+              <a:rPr lang="fr-FR" dirty="0"/>
+              <a:t>Renvoie le dictionnaire des attributs de la classe</a:t>
+            </a:r>
+          </a:p>
+          <a:p>
+            <a:r>
+              <a:rPr lang="fr-FR" dirty="0"/>
+              <a:t>__</a:t>
+            </a:r>
+            <a:r>
+              <a:rPr lang="fr-FR" dirty="0" err="1"/>
+              <a:t>set_state</a:t>
+            </a:r>
+            <a:r>
+              <a:rPr lang="fr-FR" dirty="0"/>
+              <a:t>__(self)</a:t>
+            </a:r>
+          </a:p>
+          <a:p>
+            <a:pPr lvl="1"/>
+            <a:r>
+              <a:rPr lang="fr-FR" dirty="0"/>
+              <a:t>Permet de modifier ce dictionnaire</a:t>
+            </a:r>
+          </a:p>
+          <a:p>
+            <a:pPr lvl="1"/>
+            <a:r>
+              <a:rPr lang="fr-FR" dirty="0"/>
+              <a:t>Utilisé par </a:t>
+            </a:r>
+            <a:r>
+              <a:rPr lang="fr-FR" dirty="0" err="1"/>
+              <a:t>Pickle</a:t>
+            </a:r>
+            <a:endParaRPr lang="fr-FR" dirty="0"/>
+          </a:p>
+          <a:p>
+            <a:r>
+              <a:rPr lang="fr-FR" dirty="0"/>
+              <a:t>__</a:t>
+            </a:r>
+            <a:r>
+              <a:rPr lang="fr-FR" dirty="0" err="1"/>
+              <a:t>dir</a:t>
+            </a:r>
+            <a:r>
+              <a:rPr lang="fr-FR" dirty="0"/>
+              <a:t>__(</a:t>
+            </a:r>
+            <a:r>
+              <a:rPr lang="fr-FR" dirty="0" err="1"/>
+              <a:t>object</a:t>
+            </a:r>
+            <a:r>
+              <a:rPr lang="fr-FR" dirty="0"/>
+              <a:t>)</a:t>
+            </a:r>
+          </a:p>
+          <a:p>
+            <a:pPr lvl="1"/>
+            <a:r>
+              <a:rPr lang="fr-FR" dirty="0"/>
+              <a:t>Permet de liste les attributs </a:t>
+            </a:r>
+            <a:r>
+              <a:rPr lang="fr-FR"/>
+              <a:t>d’une classe</a:t>
+            </a:r>
+            <a:endParaRPr lang="fr-FR" dirty="0"/>
+          </a:p>
+        </p:txBody>
+      </p:sp>
+    </p:spTree>
+    <p:extLst>
+      <p:ext uri="{BB962C8B-B14F-4D97-AF65-F5344CB8AC3E}">
+        <p14:creationId xmlns:p14="http://schemas.microsoft.com/office/powerpoint/2010/main" val="713473702"/>
+      </p:ext>
+    </p:extLst>
+  </p:cSld>
+  <p:clrMapOvr>
+    <a:masterClrMapping/>
+  </p:clrMapOvr>
+</p:sld>
+</file>
+
+<file path=ppt/slides/slide14.xml><?xml version="1.0" encoding="utf-8"?>
+<p:sld xmlns:a="http://schemas.openxmlformats.org/drawingml/2006/main" xmlns:r="http://schemas.openxmlformats.org/officeDocument/2006/relationships" xmlns:p="http://schemas.openxmlformats.org/presentationml/2006/main">
+  <p:cSld>
+    <p:spTree>
+      <p:nvGrpSpPr>
+        <p:cNvPr id="1" name=""/>
+        <p:cNvGrpSpPr/>
+        <p:nvPr/>
+      </p:nvGrpSpPr>
+      <p:grpSpPr>
+        <a:xfrm>
+          <a:off x="0" y="0"/>
+          <a:ext cx="0" cy="0"/>
+          <a:chOff x="0" y="0"/>
+          <a:chExt cx="0" cy="0"/>
+        </a:xfrm>
+      </p:grpSpPr>
+      <p:sp>
+        <p:nvSpPr>
+          <p:cNvPr id="2" name="Titre 1"/>
+          <p:cNvSpPr>
+            <a:spLocks noGrp="1"/>
+          </p:cNvSpPr>
+          <p:nvPr>
+            <p:ph type="title"/>
+          </p:nvPr>
+        </p:nvSpPr>
+        <p:spPr/>
+        <p:txBody>
+          <a:bodyPr/>
+          <a:lstStyle/>
+          <a:p>
+            <a:r>
+              <a:rPr lang="fr-FR" dirty="0" err="1"/>
+              <a:t>Map</a:t>
+            </a:r>
+            <a:endParaRPr lang="fr-FR" dirty="0"/>
+          </a:p>
+        </p:txBody>
+      </p:sp>
+      <p:sp>
+        <p:nvSpPr>
+          <p:cNvPr id="3" name="Espace réservé du contenu 2"/>
+          <p:cNvSpPr>
+            <a:spLocks noGrp="1"/>
+          </p:cNvSpPr>
+          <p:nvPr>
+            <p:ph idx="1"/>
+          </p:nvPr>
+        </p:nvSpPr>
+        <p:spPr/>
+        <p:txBody>
+          <a:bodyPr/>
+          <a:lstStyle/>
+          <a:p>
+            <a:r>
+              <a:rPr lang="fr-FR" dirty="0" err="1"/>
+              <a:t>Map</a:t>
+            </a:r>
+            <a:r>
+              <a:rPr lang="fr-FR" dirty="0"/>
+              <a:t> permet d’appliquer une fonction sur une collection</a:t>
+            </a:r>
+          </a:p>
+          <a:p>
+            <a:pPr lvl="1"/>
+            <a:r>
+              <a:rPr lang="en-US" dirty="0"/>
+              <a:t>l= ["It's over 9000 !", "All your base are belong to us."]</a:t>
+            </a:r>
+          </a:p>
+          <a:p>
+            <a:pPr lvl="1"/>
+            <a:r>
+              <a:rPr lang="en-US" dirty="0"/>
+              <a:t>print(map(</a:t>
+            </a:r>
+            <a:r>
+              <a:rPr lang="en-US" dirty="0" err="1"/>
+              <a:t>unicode.upper</a:t>
+            </a:r>
+            <a:r>
+              <a:rPr lang="en-US" dirty="0"/>
+              <a:t>, l))</a:t>
+            </a:r>
+          </a:p>
+          <a:p>
+            <a:pPr lvl="1"/>
+            <a:endParaRPr lang="fr-FR" dirty="0"/>
+          </a:p>
+        </p:txBody>
+      </p:sp>
+    </p:spTree>
+    <p:extLst>
+      <p:ext uri="{BB962C8B-B14F-4D97-AF65-F5344CB8AC3E}">
+        <p14:creationId xmlns:p14="http://schemas.microsoft.com/office/powerpoint/2010/main" val="3928039841"/>
+      </p:ext>
+    </p:extLst>
+  </p:cSld>
+  <p:clrMapOvr>
+    <a:masterClrMapping/>
+  </p:clrMapOvr>
 </p:sld>
 </file>
 
@@ -4695,10 +4634,9 @@
           <a:lstStyle/>
           <a:p>
             <a:r>
-              <a:rPr lang="fr-FR" dirty="0" smtClean="0"/>
-              <a:t>Liste des attributs</a:t>
-            </a:r>
-            <a:endParaRPr lang="fr-FR" dirty="0"/>
+              <a:rPr lang="fr-FR" dirty="0"/>
+              <a:t>Les listes en intension</a:t>
+            </a:r>
           </a:p>
         </p:txBody>
       </p:sp>
@@ -4718,302 +4656,21 @@
           <a:lstStyle/>
           <a:p>
             <a:r>
-              <a:rPr lang="fr-FR" dirty="0" smtClean="0"/>
-              <a:t>__</a:t>
-            </a:r>
-            <a:r>
-              <a:rPr lang="fr-FR" dirty="0" err="1" smtClean="0"/>
-              <a:t>get_state</a:t>
-            </a:r>
-            <a:r>
-              <a:rPr lang="fr-FR" dirty="0" smtClean="0"/>
-              <a:t>__(self)</a:t>
+              <a:rPr lang="fr-FR" dirty="0"/>
+              <a:t>Rappel</a:t>
             </a:r>
           </a:p>
           <a:p>
             <a:pPr lvl="1"/>
             <a:r>
-              <a:rPr lang="fr-FR" dirty="0" smtClean="0"/>
-              <a:t>Renvoie le dictionnaire des attributs de la classe</a:t>
-            </a:r>
-          </a:p>
-          <a:p>
-            <a:r>
-              <a:rPr lang="fr-FR" dirty="0" smtClean="0"/>
-              <a:t>__</a:t>
-            </a:r>
-            <a:r>
-              <a:rPr lang="fr-FR" dirty="0" err="1" smtClean="0"/>
-              <a:t>set_state</a:t>
-            </a:r>
-            <a:r>
-              <a:rPr lang="fr-FR" dirty="0" smtClean="0"/>
-              <a:t>__(self)</a:t>
-            </a:r>
-          </a:p>
-          <a:p>
-            <a:pPr lvl="1"/>
-            <a:r>
-              <a:rPr lang="fr-FR" dirty="0" smtClean="0"/>
-              <a:t>Permet de modifier ce dictionnaire</a:t>
-            </a:r>
-          </a:p>
-          <a:p>
-            <a:pPr lvl="1"/>
-            <a:r>
-              <a:rPr lang="fr-FR" dirty="0" smtClean="0"/>
-              <a:t>Utilisé par </a:t>
-            </a:r>
-            <a:r>
-              <a:rPr lang="fr-FR" dirty="0" err="1" smtClean="0"/>
-              <a:t>Pickle</a:t>
-            </a:r>
-            <a:endParaRPr lang="fr-FR" dirty="0" smtClean="0"/>
-          </a:p>
-          <a:p>
-            <a:r>
-              <a:rPr lang="fr-FR" dirty="0" smtClean="0"/>
-              <a:t>__</a:t>
-            </a:r>
-            <a:r>
-              <a:rPr lang="fr-FR" dirty="0" err="1" smtClean="0"/>
-              <a:t>dir</a:t>
-            </a:r>
-            <a:r>
-              <a:rPr lang="fr-FR" dirty="0" smtClean="0"/>
-              <a:t>__(</a:t>
-            </a:r>
-            <a:r>
-              <a:rPr lang="fr-FR" dirty="0" err="1" smtClean="0"/>
-              <a:t>object</a:t>
-            </a:r>
-            <a:r>
-              <a:rPr lang="fr-FR" dirty="0" smtClean="0"/>
-              <a:t>)</a:t>
-            </a:r>
-          </a:p>
-          <a:p>
-            <a:pPr lvl="1"/>
-            <a:r>
-              <a:rPr lang="fr-FR" dirty="0" smtClean="0"/>
-              <a:t>Permet de liste les attributs </a:t>
-            </a:r>
-            <a:r>
-              <a:rPr lang="fr-FR" smtClean="0"/>
-              <a:t>d’une classe</a:t>
-            </a:r>
-            <a:endParaRPr lang="fr-FR" dirty="0" smtClean="0"/>
-          </a:p>
-        </p:txBody>
-      </p:sp>
-    </p:spTree>
-    <p:extLst>
-      <p:ext uri="{BB962C8B-B14F-4D97-AF65-F5344CB8AC3E}">
-        <p14:creationId xmlns:p14="http://schemas.microsoft.com/office/powerpoint/2010/main" val="713473702"/>
-      </p:ext>
-    </p:extLst>
-  </p:cSld>
-  <p:clrMapOvr>
-    <a:masterClrMapping/>
-  </p:clrMapOvr>
-  <p:timing>
-    <p:tnLst>
-      <p:par>
-        <p:cTn id="1" dur="indefinite" restart="never" nodeType="tmRoot"/>
-      </p:par>
-    </p:tnLst>
-  </p:timing>
-</p:sld>
-</file>
-
-<file path=ppt/slides/slide16.xml><?xml version="1.0" encoding="utf-8"?>
-<p:sld xmlns:a="http://schemas.openxmlformats.org/drawingml/2006/main" xmlns:r="http://schemas.openxmlformats.org/officeDocument/2006/relationships" xmlns:p="http://schemas.openxmlformats.org/presentationml/2006/main">
-  <p:cSld>
-    <p:spTree>
-      <p:nvGrpSpPr>
-        <p:cNvPr id="1" name=""/>
-        <p:cNvGrpSpPr/>
-        <p:nvPr/>
-      </p:nvGrpSpPr>
-      <p:grpSpPr>
-        <a:xfrm>
-          <a:off x="0" y="0"/>
-          <a:ext cx="0" cy="0"/>
-          <a:chOff x="0" y="0"/>
-          <a:chExt cx="0" cy="0"/>
-        </a:xfrm>
-      </p:grpSpPr>
-      <p:sp>
-        <p:nvSpPr>
-          <p:cNvPr id="2" name="Titre 1"/>
-          <p:cNvSpPr>
-            <a:spLocks noGrp="1"/>
-          </p:cNvSpPr>
-          <p:nvPr>
-            <p:ph type="title"/>
-          </p:nvPr>
-        </p:nvSpPr>
-        <p:spPr/>
-        <p:txBody>
-          <a:bodyPr/>
-          <a:lstStyle/>
-          <a:p>
-            <a:r>
-              <a:rPr lang="fr-FR" dirty="0" err="1" smtClean="0"/>
-              <a:t>Map</a:t>
+              <a:rPr lang="fr-FR" dirty="0"/>
+              <a:t>Il est possible d’effectuer une boucle une liste grâce aux </a:t>
+            </a:r>
+            <a:r>
+              <a:rPr lang="fr-FR" dirty="0" err="1"/>
+              <a:t>itérateurs</a:t>
             </a:r>
             <a:endParaRPr lang="fr-FR" dirty="0"/>
-          </a:p>
-        </p:txBody>
-      </p:sp>
-      <p:sp>
-        <p:nvSpPr>
-          <p:cNvPr id="3" name="Espace réservé du contenu 2"/>
-          <p:cNvSpPr>
-            <a:spLocks noGrp="1"/>
-          </p:cNvSpPr>
-          <p:nvPr>
-            <p:ph idx="1"/>
-          </p:nvPr>
-        </p:nvSpPr>
-        <p:spPr/>
-        <p:txBody>
-          <a:bodyPr/>
-          <a:lstStyle/>
-          <a:p>
-            <a:r>
-              <a:rPr lang="fr-FR" dirty="0" err="1" smtClean="0"/>
-              <a:t>Map</a:t>
-            </a:r>
-            <a:r>
-              <a:rPr lang="fr-FR" dirty="0" smtClean="0"/>
-              <a:t> permet d’appliquer une fonction sur une collection</a:t>
-            </a:r>
-          </a:p>
-          <a:p>
-            <a:pPr lvl="1"/>
-            <a:r>
-              <a:rPr lang="en-US" dirty="0" smtClean="0"/>
-              <a:t>l= </a:t>
-            </a:r>
-            <a:r>
-              <a:rPr lang="en-US" dirty="0"/>
-              <a:t>["It's over 9000 !", "All your base are belong to us."]</a:t>
-            </a:r>
-          </a:p>
-          <a:p>
-            <a:pPr lvl="1"/>
-            <a:r>
-              <a:rPr lang="en-US" dirty="0"/>
-              <a:t>print(map(</a:t>
-            </a:r>
-            <a:r>
-              <a:rPr lang="en-US" dirty="0" err="1"/>
-              <a:t>unicode.upper</a:t>
-            </a:r>
-            <a:r>
-              <a:rPr lang="en-US" dirty="0"/>
-              <a:t>, </a:t>
-            </a:r>
-            <a:r>
-              <a:rPr lang="en-US" dirty="0" smtClean="0"/>
-              <a:t>l))</a:t>
-            </a:r>
-          </a:p>
-          <a:p>
-            <a:pPr lvl="1"/>
-            <a:endParaRPr lang="fr-FR" dirty="0"/>
-          </a:p>
-        </p:txBody>
-      </p:sp>
-    </p:spTree>
-    <p:extLst>
-      <p:ext uri="{BB962C8B-B14F-4D97-AF65-F5344CB8AC3E}">
-        <p14:creationId xmlns:p14="http://schemas.microsoft.com/office/powerpoint/2010/main" val="3928039841"/>
-      </p:ext>
-    </p:extLst>
-  </p:cSld>
-  <p:clrMapOvr>
-    <a:masterClrMapping/>
-  </p:clrMapOvr>
-</p:sld>
-</file>
-
-<file path=ppt/slides/slide17.xml><?xml version="1.0" encoding="utf-8"?>
-<p:sld xmlns:a="http://schemas.openxmlformats.org/drawingml/2006/main" xmlns:r="http://schemas.openxmlformats.org/officeDocument/2006/relationships" xmlns:p="http://schemas.openxmlformats.org/presentationml/2006/main">
-  <p:cSld>
-    <p:spTree>
-      <p:nvGrpSpPr>
-        <p:cNvPr id="1" name=""/>
-        <p:cNvGrpSpPr/>
-        <p:nvPr/>
-      </p:nvGrpSpPr>
-      <p:grpSpPr>
-        <a:xfrm>
-          <a:off x="0" y="0"/>
-          <a:ext cx="0" cy="0"/>
-          <a:chOff x="0" y="0"/>
-          <a:chExt cx="0" cy="0"/>
-        </a:xfrm>
-      </p:grpSpPr>
-      <p:sp>
-        <p:nvSpPr>
-          <p:cNvPr id="2" name="Titre 1"/>
-          <p:cNvSpPr>
-            <a:spLocks noGrp="1"/>
-          </p:cNvSpPr>
-          <p:nvPr>
-            <p:ph type="title"/>
-          </p:nvPr>
-        </p:nvSpPr>
-        <p:spPr/>
-        <p:txBody>
-          <a:bodyPr/>
-          <a:lstStyle/>
-          <a:p>
-            <a:r>
-              <a:rPr lang="fr-FR" dirty="0" smtClean="0"/>
-              <a:t>Les listes en intension</a:t>
-            </a:r>
-            <a:endParaRPr lang="fr-FR" dirty="0"/>
-          </a:p>
-        </p:txBody>
-      </p:sp>
-      <p:sp>
-        <p:nvSpPr>
-          <p:cNvPr id="3" name="Espace réservé du contenu 2"/>
-          <p:cNvSpPr>
-            <a:spLocks noGrp="1"/>
-          </p:cNvSpPr>
-          <p:nvPr>
-            <p:ph idx="1"/>
-          </p:nvPr>
-        </p:nvSpPr>
-        <p:spPr/>
-        <p:txBody>
-          <a:bodyPr/>
-          <a:lstStyle/>
-          <a:p>
-            <a:r>
-              <a:rPr lang="fr-FR" dirty="0" smtClean="0"/>
-              <a:t>Rappel</a:t>
-            </a:r>
-          </a:p>
-          <a:p>
-            <a:pPr lvl="1"/>
-            <a:r>
-              <a:rPr lang="fr-FR" dirty="0" smtClean="0"/>
-              <a:t>Il est possible d’effectuer une boucle une liste grâce aux </a:t>
-            </a:r>
-            <a:r>
-              <a:rPr lang="fr-FR" dirty="0" err="1" smtClean="0"/>
-              <a:t>itérateurs</a:t>
-            </a:r>
-            <a:endParaRPr lang="fr-FR" dirty="0" smtClean="0"/>
-          </a:p>
-          <a:p>
-            <a:pPr lvl="2"/>
-            <a:endParaRPr lang="fr-FR" dirty="0" smtClean="0"/>
           </a:p>
           <a:p>
             <a:pPr lvl="2"/>
@@ -5021,18 +4678,22 @@
           </a:p>
           <a:p>
             <a:pPr lvl="2"/>
-            <a:endParaRPr lang="fr-FR" dirty="0" smtClean="0"/>
-          </a:p>
-          <a:p>
-            <a:r>
-              <a:rPr lang="fr-FR" dirty="0" smtClean="0"/>
+            <a:endParaRPr lang="fr-FR" dirty="0"/>
+          </a:p>
+          <a:p>
+            <a:pPr lvl="2"/>
+            <a:endParaRPr lang="fr-FR" dirty="0"/>
+          </a:p>
+          <a:p>
+            <a:r>
+              <a:rPr lang="fr-FR" dirty="0"/>
               <a:t>Il est possible de créer une liste en intension qui </a:t>
             </a:r>
             <a:r>
-              <a:rPr lang="fr-FR" smtClean="0"/>
+              <a:rPr lang="fr-FR"/>
               <a:t>sera une liste</a:t>
             </a:r>
-            <a:endParaRPr lang="fr-FR" dirty="0" smtClean="0"/>
+            <a:endParaRPr lang="fr-FR" dirty="0"/>
           </a:p>
         </p:txBody>
       </p:sp>
@@ -5094,17 +4755,10 @@
   <p:clrMapOvr>
     <a:masterClrMapping/>
   </p:clrMapOvr>
-  <p:timing>
-    <p:tnLst>
-      <p:par>
-        <p:cTn id="1" dur="indefinite" restart="never" nodeType="tmRoot"/>
-      </p:par>
-    </p:tnLst>
-  </p:timing>
 </p:sld>
 </file>
 
-<file path=ppt/slides/slide18.xml><?xml version="1.0" encoding="utf-8"?>
+<file path=ppt/slides/slide16.xml><?xml version="1.0" encoding="utf-8"?>
 <p:sld xmlns:a="http://schemas.openxmlformats.org/drawingml/2006/main" xmlns:r="http://schemas.openxmlformats.org/officeDocument/2006/relationships" xmlns:p="http://schemas.openxmlformats.org/presentationml/2006/main">
   <p:cSld>
     <p:spTree>
@@ -5137,10 +4791,9 @@
           <a:lstStyle/>
           <a:p>
             <a:r>
-              <a:rPr lang="fr-FR" dirty="0" smtClean="0"/>
+              <a:rPr lang="fr-FR" dirty="0"/>
               <a:t>Générateur</a:t>
             </a:r>
-            <a:endParaRPr lang="fr-FR" dirty="0"/>
           </a:p>
         </p:txBody>
       </p:sp>
@@ -5160,37 +4813,36 @@
           <a:lstStyle/>
           <a:p>
             <a:r>
-              <a:rPr lang="fr-FR" dirty="0" smtClean="0"/>
+              <a:rPr lang="fr-FR" dirty="0"/>
               <a:t>Un générateur est identique à une liste en intension mais elle sera exécuté uniquement au moment du for</a:t>
             </a:r>
           </a:p>
           <a:p>
             <a:pPr lvl="1"/>
             <a:r>
-              <a:rPr lang="fr-FR" dirty="0" smtClean="0"/>
+              <a:rPr lang="fr-FR" dirty="0"/>
               <a:t>Utilisateur du </a:t>
             </a:r>
             <a:r>
-              <a:rPr lang="fr-FR" dirty="0" err="1" smtClean="0"/>
+              <a:rPr lang="fr-FR" dirty="0" err="1"/>
               <a:t>yield</a:t>
             </a:r>
             <a:r>
-              <a:rPr lang="fr-FR" dirty="0" smtClean="0"/>
+              <a:rPr lang="fr-FR" dirty="0"/>
               <a:t> au lieu de l’</a:t>
             </a:r>
             <a:r>
-              <a:rPr lang="fr-FR" dirty="0" err="1" smtClean="0"/>
+              <a:rPr lang="fr-FR" dirty="0" err="1"/>
               <a:t>itérateur</a:t>
             </a:r>
-            <a:endParaRPr lang="fr-FR" dirty="0" smtClean="0"/>
+            <a:endParaRPr lang="fr-FR" dirty="0"/>
           </a:p>
           <a:p>
             <a:pPr lvl="1"/>
             <a:r>
-              <a:rPr lang="fr-FR" dirty="0" smtClean="0"/>
+              <a:rPr lang="fr-FR" dirty="0"/>
               <a:t>() au lieu de []</a:t>
             </a:r>
-            <a:endParaRPr lang="fr-FR" dirty="0"/>
           </a:p>
         </p:txBody>
       </p:sp>
@@ -5228,17 +4880,10 @@
   <p:clrMapOvr>
     <a:masterClrMapping/>
   </p:clrMapOvr>
-  <p:timing>
-    <p:tnLst>
-      <p:par>
-        <p:cTn id="1" dur="indefinite" restart="never" nodeType="tmRoot"/>
-      </p:par>
-    </p:tnLst>
-  </p:timing>
 </p:sld>
 </file>
 
-<file path=ppt/slides/slide19.xml><?xml version="1.0" encoding="utf-8"?>
+<file path=ppt/slides/slide17.xml><?xml version="1.0" encoding="utf-8"?>
 <p:sld xmlns:a="http://schemas.openxmlformats.org/drawingml/2006/main" xmlns:r="http://schemas.openxmlformats.org/officeDocument/2006/relationships" xmlns:p="http://schemas.openxmlformats.org/presentationml/2006/main">
   <p:cSld>
     <p:spTree>
@@ -5271,7 +4916,7 @@
           <a:lstStyle/>
           <a:p>
             <a:r>
-              <a:rPr lang="fr-FR" dirty="0" err="1" smtClean="0"/>
+              <a:rPr lang="fr-FR" dirty="0" err="1"/>
               <a:t>Yield</a:t>
             </a:r>
             <a:endParaRPr lang="fr-FR" dirty="0"/>
@@ -5299,59 +4944,55 @@
             </a:r>
             <a:r>
               <a:rPr lang="fr-FR" dirty="0"/>
-              <a:t> est un mot clé utilisé en lieu et place de return, à la différence près qu’on va récupérer un </a:t>
-            </a:r>
-            <a:r>
-              <a:rPr lang="fr-FR" dirty="0" smtClean="0"/>
-              <a:t>générateur</a:t>
+              <a:t> est un mot clé utilisé en lieu et place de return, à la différence près qu’on va récupérer un générateur</a:t>
             </a:r>
           </a:p>
           <a:p>
             <a:pPr lvl="1"/>
             <a:r>
-              <a:rPr lang="fr-FR" dirty="0" smtClean="0"/>
+              <a:rPr lang="fr-FR" dirty="0"/>
               <a:t>Exécution en retard (</a:t>
             </a:r>
             <a:r>
-              <a:rPr lang="fr-FR" dirty="0" err="1" smtClean="0"/>
+              <a:rPr lang="fr-FR" dirty="0" err="1"/>
               <a:t>Lazy</a:t>
             </a:r>
             <a:r>
-              <a:rPr lang="fr-FR" dirty="0" smtClean="0"/>
+              <a:rPr lang="fr-FR" dirty="0"/>
               <a:t> </a:t>
             </a:r>
             <a:r>
-              <a:rPr lang="fr-FR" dirty="0" err="1" smtClean="0"/>
+              <a:rPr lang="fr-FR" dirty="0" err="1"/>
               <a:t>Loading</a:t>
             </a:r>
             <a:r>
-              <a:rPr lang="fr-FR" dirty="0" smtClean="0"/>
+              <a:rPr lang="fr-FR" dirty="0"/>
               <a:t>)</a:t>
             </a:r>
           </a:p>
           <a:p>
             <a:pPr lvl="1"/>
             <a:r>
-              <a:rPr lang="fr-FR" dirty="0" smtClean="0"/>
+              <a:rPr lang="fr-FR" dirty="0"/>
               <a:t>Utilisé pour les filtres</a:t>
             </a:r>
           </a:p>
           <a:p>
             <a:pPr lvl="1"/>
             <a:r>
-              <a:rPr lang="fr-FR" dirty="0" smtClean="0"/>
+              <a:rPr lang="fr-FR" dirty="0"/>
               <a:t>Compatible </a:t>
             </a:r>
             <a:r>
-              <a:rPr lang="fr-FR" dirty="0" err="1" smtClean="0"/>
+              <a:rPr lang="fr-FR" dirty="0" err="1"/>
               <a:t>await</a:t>
             </a:r>
             <a:r>
-              <a:rPr lang="fr-FR" dirty="0" smtClean="0"/>
+              <a:rPr lang="fr-FR" dirty="0"/>
               <a:t> </a:t>
             </a:r>
             <a:r>
-              <a:rPr lang="fr-FR" smtClean="0"/>
+              <a:rPr lang="fr-FR"/>
               <a:t>async</a:t>
             </a:r>
             <a:endParaRPr lang="fr-FR" dirty="0"/>
@@ -5416,13 +5057,6 @@
   <p:clrMapOvr>
     <a:masterClrMapping/>
   </p:clrMapOvr>
-  <p:timing>
-    <p:tnLst>
-      <p:par>
-        <p:cTn id="1" dur="indefinite" restart="never" nodeType="tmRoot"/>
-      </p:par>
-    </p:tnLst>
-  </p:timing>
 </p:sld>
 </file>
 
@@ -5459,10 +5093,9 @@
           <a:lstStyle/>
           <a:p>
             <a:r>
-              <a:rPr lang="fr-FR" dirty="0" smtClean="0"/>
+              <a:rPr lang="fr-FR" dirty="0"/>
               <a:t>Réflexion</a:t>
             </a:r>
-            <a:endParaRPr lang="fr-FR" dirty="0"/>
           </a:p>
         </p:txBody>
       </p:sp>
@@ -5482,49 +5115,48 @@
           <a:lstStyle/>
           <a:p>
             <a:r>
-              <a:rPr lang="fr-FR" dirty="0" smtClean="0"/>
+              <a:rPr lang="fr-FR" dirty="0"/>
               <a:t>Python possède un typage dynamique</a:t>
             </a:r>
           </a:p>
           <a:p>
             <a:r>
-              <a:rPr lang="fr-FR" dirty="0" smtClean="0"/>
+              <a:rPr lang="fr-FR" dirty="0"/>
               <a:t>Il est possible d’accéder aux données du type de l’objet</a:t>
             </a:r>
           </a:p>
           <a:p>
             <a:pPr lvl="1"/>
             <a:r>
-              <a:rPr lang="fr-FR" dirty="0" smtClean="0"/>
+              <a:rPr lang="fr-FR" dirty="0"/>
               <a:t>Et de les modifier</a:t>
             </a:r>
           </a:p>
           <a:p>
             <a:r>
-              <a:rPr lang="fr-FR" dirty="0" smtClean="0"/>
+              <a:rPr lang="fr-FR" dirty="0"/>
               <a:t>Appelé Réflexion</a:t>
             </a:r>
           </a:p>
           <a:p>
             <a:pPr lvl="1"/>
             <a:r>
-              <a:rPr lang="fr-FR" dirty="0" smtClean="0"/>
+              <a:rPr lang="fr-FR" dirty="0"/>
               <a:t>Introspection</a:t>
             </a:r>
           </a:p>
           <a:p>
             <a:r>
-              <a:rPr lang="fr-FR" dirty="0" smtClean="0"/>
+              <a:rPr lang="fr-FR" dirty="0"/>
               <a:t>Méthodes spéciales</a:t>
             </a:r>
           </a:p>
           <a:p>
             <a:pPr lvl="1"/>
             <a:r>
-              <a:rPr lang="fr-FR" dirty="0" smtClean="0"/>
+              <a:rPr lang="fr-FR" dirty="0"/>
               <a:t>__XXXX__</a:t>
             </a:r>
-            <a:endParaRPr lang="fr-FR" dirty="0"/>
           </a:p>
         </p:txBody>
       </p:sp>
@@ -5724,10 +5356,9 @@
           <a:lstStyle/>
           <a:p>
             <a:r>
-              <a:rPr lang="fr-FR" dirty="0" smtClean="0"/>
+              <a:rPr lang="fr-FR" dirty="0"/>
               <a:t>Constructeur, destructeur</a:t>
             </a:r>
-            <a:endParaRPr lang="fr-FR" dirty="0"/>
           </a:p>
         </p:txBody>
       </p:sp>
@@ -5747,65 +5378,65 @@
           <a:lstStyle/>
           <a:p>
             <a:r>
-              <a:rPr lang="fr-FR" dirty="0" smtClean="0"/>
+              <a:rPr lang="fr-FR" dirty="0"/>
               <a:t>__</a:t>
             </a:r>
             <a:r>
-              <a:rPr lang="fr-FR" dirty="0" err="1" smtClean="0"/>
+              <a:rPr lang="fr-FR" dirty="0" err="1"/>
               <a:t>init</a:t>
             </a:r>
             <a:r>
-              <a:rPr lang="fr-FR" dirty="0" smtClean="0"/>
+              <a:rPr lang="fr-FR" dirty="0"/>
               <a:t>__</a:t>
             </a:r>
           </a:p>
           <a:p>
             <a:pPr lvl="1"/>
             <a:r>
-              <a:rPr lang="fr-FR" dirty="0" err="1" smtClean="0"/>
+              <a:rPr lang="fr-FR" dirty="0" err="1"/>
               <a:t>Initialisateur</a:t>
             </a:r>
             <a:r>
-              <a:rPr lang="fr-FR" dirty="0" smtClean="0"/>
+              <a:rPr lang="fr-FR" dirty="0"/>
               <a:t>, est appelé par __new__</a:t>
             </a:r>
           </a:p>
           <a:p>
             <a:r>
-              <a:rPr lang="fr-FR" dirty="0" smtClean="0"/>
+              <a:rPr lang="fr-FR" dirty="0"/>
               <a:t>__</a:t>
             </a:r>
             <a:r>
-              <a:rPr lang="fr-FR" dirty="0" err="1" smtClean="0"/>
+              <a:rPr lang="fr-FR" dirty="0" err="1"/>
               <a:t>del</a:t>
             </a:r>
             <a:r>
-              <a:rPr lang="fr-FR" dirty="0" smtClean="0"/>
+              <a:rPr lang="fr-FR" dirty="0"/>
               <a:t>__ : destructeur</a:t>
             </a:r>
           </a:p>
           <a:p>
             <a:pPr lvl="1"/>
             <a:r>
-              <a:rPr lang="fr-FR" dirty="0" smtClean="0"/>
+              <a:rPr lang="fr-FR" dirty="0"/>
               <a:t>Dernière méthode appelée avant destruction</a:t>
             </a:r>
           </a:p>
           <a:p>
             <a:pPr lvl="1"/>
             <a:r>
-              <a:rPr lang="fr-FR" dirty="0" err="1" smtClean="0"/>
+              <a:rPr lang="fr-FR" dirty="0" err="1"/>
               <a:t>Garbage</a:t>
             </a:r>
             <a:r>
-              <a:rPr lang="fr-FR" dirty="0" smtClean="0"/>
+              <a:rPr lang="fr-FR" dirty="0"/>
               <a:t> collector</a:t>
             </a:r>
           </a:p>
           <a:p>
             <a:pPr lvl="1"/>
             <a:r>
-              <a:rPr lang="fr-FR" dirty="0" smtClean="0"/>
+              <a:rPr lang="fr-FR" dirty="0"/>
               <a:t>Non immédiat</a:t>
             </a:r>
           </a:p>
@@ -5845,13 +5476,6 @@
   <p:clrMapOvr>
     <a:masterClrMapping/>
   </p:clrMapOvr>
-  <p:timing>
-    <p:tnLst>
-      <p:par>
-        <p:cTn id="1" dur="indefinite" restart="never" nodeType="tmRoot"/>
-      </p:par>
-    </p:tnLst>
-  </p:timing>
 </p:sld>
 </file>
 
@@ -5888,10 +5512,9 @@
           <a:lstStyle/>
           <a:p>
             <a:r>
-              <a:rPr lang="fr-FR" dirty="0" smtClean="0"/>
+              <a:rPr lang="fr-FR" dirty="0"/>
               <a:t>Mécanisme détaillé d’instanciation</a:t>
             </a:r>
-            <a:endParaRPr lang="fr-FR" dirty="0"/>
           </a:p>
         </p:txBody>
       </p:sp>
@@ -5911,47 +5534,47 @@
           <a:lstStyle/>
           <a:p>
             <a:r>
-              <a:rPr lang="fr-FR" dirty="0" smtClean="0"/>
+              <a:rPr lang="fr-FR" dirty="0"/>
               <a:t>En python une classe est également un objet</a:t>
             </a:r>
           </a:p>
           <a:p>
             <a:pPr lvl="1"/>
             <a:r>
-              <a:rPr lang="fr-FR" dirty="0" smtClean="0"/>
+              <a:rPr lang="fr-FR" dirty="0"/>
               <a:t>Tout est objet en Python</a:t>
             </a:r>
           </a:p>
           <a:p>
             <a:r>
-              <a:rPr lang="fr-FR" dirty="0" smtClean="0"/>
+              <a:rPr lang="fr-FR" dirty="0"/>
               <a:t>Lors de l’instanciation d’une classe Python appel 2 méthodes dans l’ordre suivant</a:t>
             </a:r>
           </a:p>
           <a:p>
             <a:pPr lvl="1"/>
             <a:r>
-              <a:rPr lang="fr-FR" dirty="0" smtClean="0"/>
+              <a:rPr lang="fr-FR" dirty="0"/>
               <a:t>__new__()</a:t>
             </a:r>
           </a:p>
           <a:p>
             <a:pPr lvl="1"/>
             <a:r>
-              <a:rPr lang="fr-FR" dirty="0" smtClean="0"/>
+              <a:rPr lang="fr-FR" dirty="0"/>
               <a:t>__</a:t>
             </a:r>
             <a:r>
-              <a:rPr lang="fr-FR" dirty="0" err="1" smtClean="0"/>
+              <a:rPr lang="fr-FR" dirty="0" err="1"/>
               <a:t>init</a:t>
             </a:r>
             <a:r>
-              <a:rPr lang="fr-FR" dirty="0" smtClean="0"/>
+              <a:rPr lang="fr-FR" dirty="0"/>
               <a:t>__(self)</a:t>
             </a:r>
           </a:p>
           <a:p>
-            <a:endParaRPr lang="fr-FR" dirty="0" smtClean="0"/>
+            <a:endParaRPr lang="fr-FR" dirty="0"/>
           </a:p>
         </p:txBody>
       </p:sp>
@@ -5965,13 +5588,6 @@
   <p:clrMapOvr>
     <a:masterClrMapping/>
   </p:clrMapOvr>
-  <p:timing>
-    <p:tnLst>
-      <p:par>
-        <p:cTn id="1" dur="indefinite" restart="never" nodeType="tmRoot"/>
-      </p:par>
-    </p:tnLst>
-  </p:timing>
 </p:sld>
 </file>
 
@@ -6008,10 +5624,9 @@
           <a:lstStyle/>
           <a:p>
             <a:r>
-              <a:rPr lang="fr-FR" dirty="0" smtClean="0"/>
+              <a:rPr lang="fr-FR" dirty="0"/>
               <a:t>__new__</a:t>
             </a:r>
-            <a:endParaRPr lang="fr-FR" dirty="0"/>
           </a:p>
         </p:txBody>
       </p:sp>
@@ -6031,27 +5646,27 @@
           <a:lstStyle/>
           <a:p>
             <a:r>
-              <a:rPr lang="fr-FR" dirty="0" smtClean="0"/>
+              <a:rPr lang="fr-FR" dirty="0"/>
               <a:t>__new__ est le constructeur réel de la classe</a:t>
             </a:r>
           </a:p>
           <a:p>
             <a:r>
-              <a:rPr lang="fr-FR" dirty="0" smtClean="0"/>
+              <a:rPr lang="fr-FR" dirty="0"/>
               <a:t>Si __new__ renvoie une instance de classe, il créé le paramètre self pour le passer à __</a:t>
             </a:r>
             <a:r>
-              <a:rPr lang="fr-FR" dirty="0" err="1" smtClean="0"/>
+              <a:rPr lang="fr-FR" dirty="0" err="1"/>
               <a:t>init</a:t>
             </a:r>
             <a:r>
-              <a:rPr lang="fr-FR" dirty="0" smtClean="0"/>
+              <a:rPr lang="fr-FR" dirty="0"/>
               <a:t>__</a:t>
             </a:r>
           </a:p>
           <a:p>
             <a:r>
-              <a:rPr lang="fr-FR" dirty="0" smtClean="0"/>
+              <a:rPr lang="fr-FR" dirty="0"/>
               <a:t>Sinon c’est un appel statique</a:t>
             </a:r>
           </a:p>
@@ -6059,7 +5674,7 @@
             <a:pPr marL="0" indent="0">
               <a:buNone/>
             </a:pPr>
-            <a:endParaRPr lang="fr-FR" dirty="0" smtClean="0"/>
+            <a:endParaRPr lang="fr-FR" dirty="0"/>
           </a:p>
           <a:p>
             <a:endParaRPr lang="fr-FR" dirty="0"/>
@@ -6076,13 +5691,6 @@
   <p:clrMapOvr>
     <a:masterClrMapping/>
   </p:clrMapOvr>
-  <p:timing>
-    <p:tnLst>
-      <p:par>
-        <p:cTn id="1" dur="indefinite" restart="never" nodeType="tmRoot"/>
-      </p:par>
-    </p:tnLst>
-  </p:timing>
 </p:sld>
 </file>
 
@@ -6119,7 +5727,7 @@
           <a:lstStyle/>
           <a:p>
             <a:r>
-              <a:rPr lang="fr-FR" dirty="0" err="1" smtClean="0"/>
+              <a:rPr lang="fr-FR" dirty="0" err="1"/>
               <a:t>Métaclasse</a:t>
             </a:r>
             <a:endParaRPr lang="fr-FR" dirty="0"/>
@@ -6143,15 +5751,7 @@
           <a:p>
             <a:r>
               <a:rPr lang="fr-FR" dirty="0"/>
-              <a:t>Les classes sont toutes </a:t>
-            </a:r>
-            <a:r>
-              <a:rPr lang="fr-FR" dirty="0" smtClean="0"/>
-              <a:t>modelées </a:t>
-            </a:r>
-            <a:r>
-              <a:rPr lang="fr-FR" dirty="0"/>
-              <a:t>par rapport à la </a:t>
+              <a:t>Les classes sont toutes modelées par rapport à la </a:t>
             </a:r>
             <a:r>
               <a:rPr lang="fr-FR" dirty="0" err="1"/>
@@ -6159,36 +5759,32 @@
             </a:r>
             <a:r>
               <a:rPr lang="fr-FR" dirty="0"/>
-              <a:t> </a:t>
-            </a:r>
-            <a:r>
-              <a:rPr lang="fr-FR" dirty="0" smtClean="0"/>
-              <a:t>type</a:t>
+              <a:t> type</a:t>
             </a:r>
           </a:p>
           <a:p>
             <a:pPr lvl="1"/>
             <a:r>
-              <a:rPr lang="fr-FR" dirty="0" smtClean="0"/>
+              <a:rPr lang="fr-FR" dirty="0"/>
               <a:t>Lors de l’exécution de __new__</a:t>
             </a:r>
           </a:p>
           <a:p>
             <a:r>
-              <a:rPr lang="fr-FR" dirty="0" smtClean="0"/>
+              <a:rPr lang="fr-FR" dirty="0"/>
               <a:t>Il s’agit de l’implémentation de l’interpréteur Python</a:t>
             </a:r>
           </a:p>
           <a:p>
             <a:r>
-              <a:rPr lang="fr-FR" dirty="0" smtClean="0"/>
+              <a:rPr lang="fr-FR" dirty="0"/>
               <a:t>Il est possible de changer la </a:t>
             </a:r>
             <a:r>
-              <a:rPr lang="fr-FR" dirty="0" err="1" smtClean="0"/>
+              <a:rPr lang="fr-FR" dirty="0" err="1"/>
               <a:t>métaclasse</a:t>
             </a:r>
-            <a:endParaRPr lang="fr-FR" dirty="0" smtClean="0"/>
+            <a:endParaRPr lang="fr-FR" dirty="0"/>
           </a:p>
           <a:p>
             <a:pPr lvl="1"/>
@@ -6220,7 +5816,6 @@
               <a:rPr lang="fr-FR" dirty="0"/>
               <a:t>)</a:t>
             </a:r>
-            <a:endParaRPr lang="fr-FR" dirty="0" smtClean="0"/>
           </a:p>
           <a:p>
             <a:endParaRPr lang="fr-FR" dirty="0"/>
@@ -6240,13 +5835,6 @@
   <p:clrMapOvr>
     <a:masterClrMapping/>
   </p:clrMapOvr>
-  <p:timing>
-    <p:tnLst>
-      <p:par>
-        <p:cTn id="1" dur="indefinite" restart="never" nodeType="tmRoot"/>
-      </p:par>
-    </p:tnLst>
-  </p:timing>
 </p:sld>
 </file>
 
@@ -6283,10 +5871,17 @@
           <a:lstStyle/>
           <a:p>
             <a:r>
-              <a:rPr lang="fr-FR" dirty="0" err="1" smtClean="0"/>
-              <a:t>MyPy</a:t>
-            </a:r>
-            <a:endParaRPr lang="fr-FR" dirty="0"/>
+              <a:rPr lang="fr-FR" dirty="0"/>
+              <a:t>__</a:t>
+            </a:r>
+            <a:r>
+              <a:rPr lang="fr-FR" dirty="0" err="1"/>
+              <a:t>getattr</a:t>
+            </a:r>
+            <a:r>
+              <a:rPr lang="fr-FR" dirty="0"/>
+              <a:t>__</a:t>
+            </a:r>
           </a:p>
         </p:txBody>
       </p:sp>
@@ -6306,258 +5901,9 @@
           <a:lstStyle/>
           <a:p>
             <a:r>
-              <a:rPr lang="fr-FR" dirty="0" smtClean="0"/>
-              <a:t>Python fortement typé</a:t>
-            </a:r>
-          </a:p>
-          <a:p>
-            <a:r>
-              <a:rPr lang="fr-FR" dirty="0" err="1" smtClean="0"/>
-              <a:t>From</a:t>
-            </a:r>
-            <a:r>
-              <a:rPr lang="fr-FR" dirty="0" smtClean="0"/>
-              <a:t> </a:t>
-            </a:r>
-            <a:r>
-              <a:rPr lang="fr-FR" dirty="0" err="1" smtClean="0"/>
-              <a:t>typing</a:t>
-            </a:r>
-            <a:r>
-              <a:rPr lang="fr-FR" smtClean="0"/>
-              <a:t> import *</a:t>
-            </a:r>
-            <a:endParaRPr lang="fr-FR" dirty="0" smtClean="0"/>
-          </a:p>
-          <a:p>
-            <a:r>
-              <a:rPr lang="fr-FR" dirty="0" smtClean="0"/>
-              <a:t>Extensions *.</a:t>
-            </a:r>
-            <a:r>
-              <a:rPr lang="fr-FR" dirty="0" err="1" smtClean="0"/>
-              <a:t>pyi</a:t>
-            </a:r>
-            <a:endParaRPr lang="fr-FR" dirty="0" smtClean="0"/>
-          </a:p>
-          <a:p>
-            <a:pPr lvl="1"/>
-            <a:r>
-              <a:rPr lang="fr-FR" dirty="0" smtClean="0"/>
-              <a:t>Généralise le </a:t>
-            </a:r>
-            <a:r>
-              <a:rPr lang="fr-FR" dirty="0" err="1" smtClean="0"/>
-              <a:t>isinstance</a:t>
-            </a:r>
-            <a:r>
-              <a:rPr lang="fr-FR" dirty="0" smtClean="0"/>
-              <a:t> par </a:t>
-            </a:r>
-            <a:r>
-              <a:rPr lang="fr-FR" dirty="0" err="1" smtClean="0"/>
-              <a:t>métaclasse</a:t>
-            </a:r>
-            <a:endParaRPr lang="fr-FR" dirty="0"/>
-          </a:p>
-        </p:txBody>
-      </p:sp>
-      <p:pic>
-        <p:nvPicPr>
-          <p:cNvPr id="4" name="Image 3"/>
-          <p:cNvPicPr>
-            <a:picLocks noChangeAspect="1"/>
-          </p:cNvPicPr>
-          <p:nvPr/>
-        </p:nvPicPr>
-        <p:blipFill>
-          <a:blip r:embed="rId2"/>
-          <a:stretch>
-            <a:fillRect/>
-          </a:stretch>
-        </p:blipFill>
-        <p:spPr>
-          <a:xfrm>
-            <a:off x="1403648" y="3645024"/>
-            <a:ext cx="6577316" cy="2016224"/>
-          </a:xfrm>
-          <a:prstGeom prst="rect">
-            <a:avLst/>
-          </a:prstGeom>
-        </p:spPr>
-      </p:pic>
-    </p:spTree>
-    <p:extLst>
-      <p:ext uri="{BB962C8B-B14F-4D97-AF65-F5344CB8AC3E}">
-        <p14:creationId xmlns:p14="http://schemas.microsoft.com/office/powerpoint/2010/main" val="804897276"/>
-      </p:ext>
-    </p:extLst>
-  </p:cSld>
-  <p:clrMapOvr>
-    <a:masterClrMapping/>
-  </p:clrMapOvr>
-  <p:timing>
-    <p:tnLst>
-      <p:par>
-        <p:cTn id="1" dur="indefinite" restart="never" nodeType="tmRoot"/>
-      </p:par>
-    </p:tnLst>
-  </p:timing>
-</p:sld>
-</file>
-
-<file path=ppt/slides/slide8.xml><?xml version="1.0" encoding="utf-8"?>
-<p:sld xmlns:a="http://schemas.openxmlformats.org/drawingml/2006/main" xmlns:r="http://schemas.openxmlformats.org/officeDocument/2006/relationships" xmlns:p="http://schemas.openxmlformats.org/presentationml/2006/main">
-  <p:cSld>
-    <p:spTree>
-      <p:nvGrpSpPr>
-        <p:cNvPr id="1" name=""/>
-        <p:cNvGrpSpPr/>
-        <p:nvPr/>
-      </p:nvGrpSpPr>
-      <p:grpSpPr>
-        <a:xfrm>
-          <a:off x="0" y="0"/>
-          <a:ext cx="0" cy="0"/>
-          <a:chOff x="0" y="0"/>
-          <a:chExt cx="0" cy="0"/>
-        </a:xfrm>
-      </p:grpSpPr>
-      <p:sp>
-        <p:nvSpPr>
-          <p:cNvPr id="2" name="Titre 1"/>
-          <p:cNvSpPr>
-            <a:spLocks noGrp="1"/>
-          </p:cNvSpPr>
-          <p:nvPr>
-            <p:ph type="title"/>
-          </p:nvPr>
-        </p:nvSpPr>
-        <p:spPr/>
-        <p:txBody>
-          <a:bodyPr/>
-          <a:lstStyle/>
-          <a:p>
-            <a:r>
-              <a:rPr lang="fr-FR" dirty="0" err="1" smtClean="0"/>
-              <a:t>MyPy</a:t>
-            </a:r>
-            <a:endParaRPr lang="fr-FR" dirty="0"/>
-          </a:p>
-        </p:txBody>
-      </p:sp>
-      <p:pic>
-        <p:nvPicPr>
-          <p:cNvPr id="4" name="Image 3"/>
-          <p:cNvPicPr>
-            <a:picLocks noChangeAspect="1"/>
-          </p:cNvPicPr>
-          <p:nvPr/>
-        </p:nvPicPr>
-        <p:blipFill>
-          <a:blip r:embed="rId2"/>
-          <a:stretch>
-            <a:fillRect/>
-          </a:stretch>
-        </p:blipFill>
-        <p:spPr>
-          <a:xfrm>
-            <a:off x="0" y="2060848"/>
-            <a:ext cx="9144000" cy="2880319"/>
-          </a:xfrm>
-          <a:prstGeom prst="rect">
-            <a:avLst/>
-          </a:prstGeom>
-        </p:spPr>
-      </p:pic>
-    </p:spTree>
-    <p:extLst>
-      <p:ext uri="{BB962C8B-B14F-4D97-AF65-F5344CB8AC3E}">
-        <p14:creationId xmlns:p14="http://schemas.microsoft.com/office/powerpoint/2010/main" val="1672951942"/>
-      </p:ext>
-    </p:extLst>
-  </p:cSld>
-  <p:clrMapOvr>
-    <a:masterClrMapping/>
-  </p:clrMapOvr>
-  <p:timing>
-    <p:tnLst>
-      <p:par>
-        <p:cTn id="1" dur="indefinite" restart="never" nodeType="tmRoot"/>
-      </p:par>
-    </p:tnLst>
-  </p:timing>
-</p:sld>
-</file>
-
-<file path=ppt/slides/slide9.xml><?xml version="1.0" encoding="utf-8"?>
-<p:sld xmlns:a="http://schemas.openxmlformats.org/drawingml/2006/main" xmlns:r="http://schemas.openxmlformats.org/officeDocument/2006/relationships" xmlns:p="http://schemas.openxmlformats.org/presentationml/2006/main">
-  <p:cSld>
-    <p:spTree>
-      <p:nvGrpSpPr>
-        <p:cNvPr id="1" name=""/>
-        <p:cNvGrpSpPr/>
-        <p:nvPr/>
-      </p:nvGrpSpPr>
-      <p:grpSpPr>
-        <a:xfrm>
-          <a:off x="0" y="0"/>
-          <a:ext cx="0" cy="0"/>
-          <a:chOff x="0" y="0"/>
-          <a:chExt cx="0" cy="0"/>
-        </a:xfrm>
-      </p:grpSpPr>
-      <p:sp>
-        <p:nvSpPr>
-          <p:cNvPr id="2" name="Titre 1"/>
-          <p:cNvSpPr>
-            <a:spLocks noGrp="1"/>
-          </p:cNvSpPr>
-          <p:nvPr>
-            <p:ph type="title"/>
-          </p:nvPr>
-        </p:nvSpPr>
-        <p:spPr/>
-        <p:txBody>
-          <a:bodyPr/>
-          <a:lstStyle/>
-          <a:p>
-            <a:r>
-              <a:rPr lang="fr-FR" dirty="0" smtClean="0"/>
-              <a:t>__</a:t>
-            </a:r>
-            <a:r>
-              <a:rPr lang="fr-FR" dirty="0" err="1" smtClean="0"/>
-              <a:t>getattr</a:t>
-            </a:r>
-            <a:r>
-              <a:rPr lang="fr-FR" dirty="0" smtClean="0"/>
-              <a:t>__</a:t>
-            </a:r>
-            <a:endParaRPr lang="fr-FR" dirty="0"/>
-          </a:p>
-        </p:txBody>
-      </p:sp>
-      <p:sp>
-        <p:nvSpPr>
-          <p:cNvPr id="3" name="Espace réservé du contenu 2"/>
-          <p:cNvSpPr>
-            <a:spLocks noGrp="1"/>
-          </p:cNvSpPr>
-          <p:nvPr>
-            <p:ph idx="1"/>
-          </p:nvPr>
-        </p:nvSpPr>
-        <p:spPr/>
-        <p:txBody>
-          <a:bodyPr/>
-          <a:lstStyle/>
-          <a:p>
-            <a:r>
-              <a:rPr lang="fr-FR" dirty="0" smtClean="0"/>
+              <a:rPr lang="fr-FR" dirty="0"/>
               <a:t>C’est la méthode qui est appelée lorsque Python accède à un attribut</a:t>
             </a:r>
-            <a:endParaRPr lang="fr-FR" dirty="0"/>
           </a:p>
         </p:txBody>
       </p:sp>
@@ -6595,13 +5941,218 @@
   <p:clrMapOvr>
     <a:masterClrMapping/>
   </p:clrMapOvr>
-  <p:timing>
-    <p:tnLst>
-      <p:par>
-        <p:cTn id="1" dur="indefinite" restart="never" nodeType="tmRoot"/>
-      </p:par>
-    </p:tnLst>
-  </p:timing>
+</p:sld>
+</file>
+
+<file path=ppt/slides/slide8.xml><?xml version="1.0" encoding="utf-8"?>
+<p:sld xmlns:a="http://schemas.openxmlformats.org/drawingml/2006/main" xmlns:r="http://schemas.openxmlformats.org/officeDocument/2006/relationships" xmlns:p="http://schemas.openxmlformats.org/presentationml/2006/main">
+  <p:cSld>
+    <p:spTree>
+      <p:nvGrpSpPr>
+        <p:cNvPr id="1" name=""/>
+        <p:cNvGrpSpPr/>
+        <p:nvPr/>
+      </p:nvGrpSpPr>
+      <p:grpSpPr>
+        <a:xfrm>
+          <a:off x="0" y="0"/>
+          <a:ext cx="0" cy="0"/>
+          <a:chOff x="0" y="0"/>
+          <a:chExt cx="0" cy="0"/>
+        </a:xfrm>
+      </p:grpSpPr>
+      <p:sp>
+        <p:nvSpPr>
+          <p:cNvPr id="2" name="Titre 1"/>
+          <p:cNvSpPr>
+            <a:spLocks noGrp="1"/>
+          </p:cNvSpPr>
+          <p:nvPr>
+            <p:ph type="title"/>
+          </p:nvPr>
+        </p:nvSpPr>
+        <p:spPr/>
+        <p:txBody>
+          <a:bodyPr/>
+          <a:lstStyle/>
+          <a:p>
+            <a:r>
+              <a:rPr lang="fr-FR" dirty="0"/>
+              <a:t>__</a:t>
+            </a:r>
+            <a:r>
+              <a:rPr lang="fr-FR" dirty="0" err="1"/>
+              <a:t>setattr</a:t>
+            </a:r>
+            <a:r>
+              <a:rPr lang="fr-FR" dirty="0"/>
+              <a:t>__</a:t>
+            </a:r>
+          </a:p>
+        </p:txBody>
+      </p:sp>
+      <p:sp>
+        <p:nvSpPr>
+          <p:cNvPr id="3" name="Espace réservé du contenu 2"/>
+          <p:cNvSpPr>
+            <a:spLocks noGrp="1"/>
+          </p:cNvSpPr>
+          <p:nvPr>
+            <p:ph idx="1"/>
+          </p:nvPr>
+        </p:nvSpPr>
+        <p:spPr/>
+        <p:txBody>
+          <a:bodyPr/>
+          <a:lstStyle/>
+          <a:p>
+            <a:r>
+              <a:rPr lang="fr-FR" dirty="0"/>
+              <a:t>C’est la méthode qui est appelée lorsque Python accède à un attribut en écriture</a:t>
+            </a:r>
+          </a:p>
+        </p:txBody>
+      </p:sp>
+      <p:pic>
+        <p:nvPicPr>
+          <p:cNvPr id="5" name="Image 4"/>
+          <p:cNvPicPr>
+            <a:picLocks noChangeAspect="1"/>
+          </p:cNvPicPr>
+          <p:nvPr/>
+        </p:nvPicPr>
+        <p:blipFill>
+          <a:blip r:embed="rId2"/>
+          <a:stretch>
+            <a:fillRect/>
+          </a:stretch>
+        </p:blipFill>
+        <p:spPr>
+          <a:xfrm>
+            <a:off x="1547664" y="3068960"/>
+            <a:ext cx="6434878" cy="1292721"/>
+          </a:xfrm>
+          <a:prstGeom prst="rect">
+            <a:avLst/>
+          </a:prstGeom>
+        </p:spPr>
+      </p:pic>
+    </p:spTree>
+    <p:extLst>
+      <p:ext uri="{BB962C8B-B14F-4D97-AF65-F5344CB8AC3E}">
+        <p14:creationId xmlns:p14="http://schemas.microsoft.com/office/powerpoint/2010/main" val="3326776791"/>
+      </p:ext>
+    </p:extLst>
+  </p:cSld>
+  <p:clrMapOvr>
+    <a:masterClrMapping/>
+  </p:clrMapOvr>
+</p:sld>
+</file>
+
+<file path=ppt/slides/slide9.xml><?xml version="1.0" encoding="utf-8"?>
+<p:sld xmlns:a="http://schemas.openxmlformats.org/drawingml/2006/main" xmlns:r="http://schemas.openxmlformats.org/officeDocument/2006/relationships" xmlns:p="http://schemas.openxmlformats.org/presentationml/2006/main">
+  <p:cSld>
+    <p:spTree>
+      <p:nvGrpSpPr>
+        <p:cNvPr id="1" name=""/>
+        <p:cNvGrpSpPr/>
+        <p:nvPr/>
+      </p:nvGrpSpPr>
+      <p:grpSpPr>
+        <a:xfrm>
+          <a:off x="0" y="0"/>
+          <a:ext cx="0" cy="0"/>
+          <a:chOff x="0" y="0"/>
+          <a:chExt cx="0" cy="0"/>
+        </a:xfrm>
+      </p:grpSpPr>
+      <p:sp>
+        <p:nvSpPr>
+          <p:cNvPr id="2" name="Titre 1"/>
+          <p:cNvSpPr>
+            <a:spLocks noGrp="1"/>
+          </p:cNvSpPr>
+          <p:nvPr>
+            <p:ph type="title"/>
+          </p:nvPr>
+        </p:nvSpPr>
+        <p:spPr/>
+        <p:txBody>
+          <a:bodyPr/>
+          <a:lstStyle/>
+          <a:p>
+            <a:r>
+              <a:rPr lang="fr-FR" dirty="0"/>
+              <a:t>__</a:t>
+            </a:r>
+            <a:r>
+              <a:rPr lang="fr-FR" dirty="0" err="1"/>
+              <a:t>delattr</a:t>
+            </a:r>
+            <a:r>
+              <a:rPr lang="fr-FR" dirty="0"/>
+              <a:t>__</a:t>
+            </a:r>
+          </a:p>
+        </p:txBody>
+      </p:sp>
+      <p:sp>
+        <p:nvSpPr>
+          <p:cNvPr id="3" name="Espace réservé du contenu 2"/>
+          <p:cNvSpPr>
+            <a:spLocks noGrp="1"/>
+          </p:cNvSpPr>
+          <p:nvPr>
+            <p:ph idx="1"/>
+          </p:nvPr>
+        </p:nvSpPr>
+        <p:spPr/>
+        <p:txBody>
+          <a:bodyPr/>
+          <a:lstStyle/>
+          <a:p>
+            <a:r>
+              <a:rPr lang="fr-FR" dirty="0"/>
+              <a:t>Méthode appelée pour effacer un attribut</a:t>
+            </a:r>
+          </a:p>
+        </p:txBody>
+      </p:sp>
+      <p:pic>
+        <p:nvPicPr>
+          <p:cNvPr id="4" name="Image 3"/>
+          <p:cNvPicPr>
+            <a:picLocks noChangeAspect="1"/>
+          </p:cNvPicPr>
+          <p:nvPr/>
+        </p:nvPicPr>
+        <p:blipFill>
+          <a:blip r:embed="rId2"/>
+          <a:stretch>
+            <a:fillRect/>
+          </a:stretch>
+        </p:blipFill>
+        <p:spPr>
+          <a:xfrm>
+            <a:off x="611560" y="2060848"/>
+            <a:ext cx="7592844" cy="936104"/>
+          </a:xfrm>
+          <a:prstGeom prst="rect">
+            <a:avLst/>
+          </a:prstGeom>
+        </p:spPr>
+      </p:pic>
+    </p:spTree>
+    <p:extLst>
+      <p:ext uri="{BB962C8B-B14F-4D97-AF65-F5344CB8AC3E}">
+        <p14:creationId xmlns:p14="http://schemas.microsoft.com/office/powerpoint/2010/main" val="434229379"/>
+      </p:ext>
+    </p:extLst>
+  </p:cSld>
+  <p:clrMapOvr>
+    <a:masterClrMapping/>
+  </p:clrMapOvr>
 </p:sld>
 </file>
 
